--- a/Endpräsentation_Fahrrad&Bahn.pptx
+++ b/Endpräsentation_Fahrrad&Bahn.pptx
@@ -14,12 +14,12 @@
     <p:sldId id="256" r:id="rId2"/>
     <p:sldId id="257" r:id="rId3"/>
     <p:sldId id="258" r:id="rId4"/>
-    <p:sldId id="264" r:id="rId5"/>
-    <p:sldId id="263" r:id="rId6"/>
-    <p:sldId id="262" r:id="rId7"/>
-    <p:sldId id="267" r:id="rId8"/>
-    <p:sldId id="266" r:id="rId9"/>
-    <p:sldId id="268" r:id="rId10"/>
+    <p:sldId id="263" r:id="rId5"/>
+    <p:sldId id="262" r:id="rId6"/>
+    <p:sldId id="267" r:id="rId7"/>
+    <p:sldId id="266" r:id="rId8"/>
+    <p:sldId id="268" r:id="rId9"/>
+    <p:sldId id="269" r:id="rId10"/>
     <p:sldId id="265" r:id="rId11"/>
   </p:sldIdLst>
   <p:sldSz cx="10080625" cy="5670550"/>
@@ -119,6 +119,11 @@
       </a:defRPr>
     </a:lvl9pPr>
   </p:defaultTextStyle>
+  <p:extLst>
+    <p:ext uri="{EFAFB233-063F-42B5-8137-9DF3F51BA10A}">
+      <p15:sldGuideLst xmlns:p15="http://schemas.microsoft.com/office/powerpoint/2012/main"/>
+    </p:ext>
+  </p:extLst>
 </p:presentation>
 </file>
 
@@ -1375,7 +1380,7 @@
     </p:spTree>
     <p:extLst>
       <p:ext uri="{BB962C8B-B14F-4D97-AF65-F5344CB8AC3E}">
-        <p14:creationId xmlns:p14="http://schemas.microsoft.com/office/powerpoint/2010/main" val="2060204497"/>
+        <p14:creationId xmlns:p14="http://schemas.microsoft.com/office/powerpoint/2010/main" val="4134559947"/>
       </p:ext>
     </p:extLst>
   </p:cSld>
@@ -1407,7 +1412,7 @@
           <p:cNvPr id="7" name="Foliennummernplatzhalter 6">
             <a:extLst>
               <a:ext uri="{FF2B5EF4-FFF2-40B4-BE49-F238E27FC236}">
-                <a16:creationId xmlns:a16="http://schemas.microsoft.com/office/drawing/2014/main" id="{BBFADF65-67CA-E300-A36C-C4BC2DE61B4C}"/>
+                <a16:creationId xmlns:a16="http://schemas.microsoft.com/office/drawing/2014/main" id="{AC16108E-DA2B-C27E-762D-E1F8E7726D89}"/>
               </a:ext>
             </a:extLst>
           </p:cNvPr>
@@ -1428,7 +1433,7 @@
           <a:lstStyle/>
           <a:p>
             <a:pPr lvl="0"/>
-            <a:fld id="{25ACA8F8-C394-4AC2-B8CC-831EE9342D87}" type="slidenum">
+            <a:fld id="{7CCB2715-0F7B-42B3-B01B-0D912C77FCD2}" type="slidenum">
               <a:t>5</a:t>
             </a:fld>
             <a:endParaRPr lang="en-US"/>
@@ -1440,7 +1445,7 @@
           <p:cNvPr id="2" name="Folienbildplatzhalter 1">
             <a:extLst>
               <a:ext uri="{FF2B5EF4-FFF2-40B4-BE49-F238E27FC236}">
-                <a16:creationId xmlns:a16="http://schemas.microsoft.com/office/drawing/2014/main" id="{5DE4FAA9-0159-D8CA-6BB5-98E3AC099675}"/>
+                <a16:creationId xmlns:a16="http://schemas.microsoft.com/office/drawing/2014/main" id="{8B37FEB9-BCE0-8B44-D008-929BEEE7D995}"/>
               </a:ext>
             </a:extLst>
           </p:cNvPr>
@@ -1472,7 +1477,7 @@
           <p:cNvPr id="3" name="Notizenplatzhalter 2">
             <a:extLst>
               <a:ext uri="{FF2B5EF4-FFF2-40B4-BE49-F238E27FC236}">
-                <a16:creationId xmlns:a16="http://schemas.microsoft.com/office/drawing/2014/main" id="{B381B300-44E4-D643-2C8E-1230C2F97213}"/>
+                <a16:creationId xmlns:a16="http://schemas.microsoft.com/office/drawing/2014/main" id="{BAEAA13F-A8E1-F009-A9B6-1F484BB4BD8B}"/>
               </a:ext>
             </a:extLst>
           </p:cNvPr>
@@ -1488,14 +1493,26 @@
           <a:bodyPr vert="horz"/>
           <a:lstStyle/>
           <a:p>
-            <a:endParaRPr lang="en-US"/>
+            <a:r>
+              <a:rPr lang="de-DE" dirty="0"/>
+              <a:t>Was ist Opinion Mining/</a:t>
+            </a:r>
+            <a:r>
+              <a:rPr lang="de-DE" dirty="0" err="1"/>
+              <a:t>Sentimentanalyse</a:t>
+            </a:r>
+            <a:r>
+              <a:rPr lang="de-DE" dirty="0"/>
+              <a:t>: versucht, Meinungsäußerungen (Information) in Newsgroups und Foren (Sprachdaten) automatisch zu erkennen und zu klassifizieren und damit letztlich Wissen über Meinung zu extrahieren.</a:t>
+            </a:r>
+            <a:endParaRPr lang="en-US" dirty="0"/>
           </a:p>
         </p:txBody>
       </p:sp>
     </p:spTree>
     <p:extLst>
       <p:ext uri="{BB962C8B-B14F-4D97-AF65-F5344CB8AC3E}">
-        <p14:creationId xmlns:p14="http://schemas.microsoft.com/office/powerpoint/2010/main" val="4134559947"/>
+        <p14:creationId xmlns:p14="http://schemas.microsoft.com/office/powerpoint/2010/main" val="3214951688"/>
       </p:ext>
     </p:extLst>
   </p:cSld>
@@ -1608,18 +1625,6 @@
           <a:bodyPr vert="horz"/>
           <a:lstStyle/>
           <a:p>
-            <a:r>
-              <a:rPr lang="de-DE" dirty="0"/>
-              <a:t>Was ist Opinion Mining/</a:t>
-            </a:r>
-            <a:r>
-              <a:rPr lang="de-DE" dirty="0" err="1"/>
-              <a:t>Sentimentanalyse</a:t>
-            </a:r>
-            <a:r>
-              <a:rPr lang="de-DE" dirty="0"/>
-              <a:t>: versucht, Meinungsäußerungen (Information) in Newsgroups und Foren (Sprachdaten) automatisch zu erkennen und zu klassifizieren und damit letztlich Wissen über Meinung zu extrahieren.</a:t>
-            </a:r>
             <a:endParaRPr lang="en-US" dirty="0"/>
           </a:p>
         </p:txBody>
@@ -1627,7 +1632,7 @@
     </p:spTree>
     <p:extLst>
       <p:ext uri="{BB962C8B-B14F-4D97-AF65-F5344CB8AC3E}">
-        <p14:creationId xmlns:p14="http://schemas.microsoft.com/office/powerpoint/2010/main" val="3214951688"/>
+        <p14:creationId xmlns:p14="http://schemas.microsoft.com/office/powerpoint/2010/main" val="955886309"/>
       </p:ext>
     </p:extLst>
   </p:cSld>
@@ -1747,7 +1752,7 @@
     </p:spTree>
     <p:extLst>
       <p:ext uri="{BB962C8B-B14F-4D97-AF65-F5344CB8AC3E}">
-        <p14:creationId xmlns:p14="http://schemas.microsoft.com/office/powerpoint/2010/main" val="955886309"/>
+        <p14:creationId xmlns:p14="http://schemas.microsoft.com/office/powerpoint/2010/main" val="1703182994"/>
       </p:ext>
     </p:extLst>
   </p:cSld>
@@ -1860,6 +1865,38 @@
           <a:bodyPr vert="horz"/>
           <a:lstStyle/>
           <a:p>
+            <a:r>
+              <a:rPr lang="en-US" dirty="0"/>
+              <a:t>Elbow Method: den </a:t>
+            </a:r>
+            <a:r>
+              <a:rPr lang="en-US" dirty="0" err="1"/>
+              <a:t>Punkt</a:t>
+            </a:r>
+            <a:r>
+              <a:rPr lang="en-US" dirty="0"/>
+              <a:t> </a:t>
+            </a:r>
+            <a:r>
+              <a:rPr lang="en-US" dirty="0" err="1"/>
+              <a:t>auswählen</a:t>
+            </a:r>
+            <a:r>
+              <a:rPr lang="en-US" dirty="0"/>
+              <a:t>, ab dem die </a:t>
+            </a:r>
+            <a:r>
+              <a:rPr lang="en-US" dirty="0" err="1"/>
+              <a:t>Abflachung</a:t>
+            </a:r>
+            <a:r>
+              <a:rPr lang="en-US" dirty="0"/>
+              <a:t> linear </a:t>
+            </a:r>
+            <a:r>
+              <a:rPr lang="en-US" dirty="0" err="1"/>
+              <a:t>wird</a:t>
+            </a:r>
             <a:endParaRPr lang="en-US" dirty="0"/>
           </a:p>
         </p:txBody>
@@ -1867,7 +1904,7 @@
     </p:spTree>
     <p:extLst>
       <p:ext uri="{BB962C8B-B14F-4D97-AF65-F5344CB8AC3E}">
-        <p14:creationId xmlns:p14="http://schemas.microsoft.com/office/powerpoint/2010/main" val="1703182994"/>
+        <p14:creationId xmlns:p14="http://schemas.microsoft.com/office/powerpoint/2010/main" val="1304047299"/>
       </p:ext>
     </p:extLst>
   </p:cSld>
@@ -1981,36 +2018,16 @@
           <a:lstStyle/>
           <a:p>
             <a:r>
-              <a:rPr lang="en-US" dirty="0"/>
-              <a:t>Elbow Method: den </a:t>
-            </a:r>
-            <a:r>
-              <a:rPr lang="en-US" dirty="0" err="1"/>
-              <a:t>Punkt</a:t>
-            </a:r>
-            <a:r>
-              <a:rPr lang="en-US" dirty="0"/>
-              <a:t> </a:t>
-            </a:r>
-            <a:r>
-              <a:rPr lang="en-US" dirty="0" err="1"/>
-              <a:t>auswählen</a:t>
-            </a:r>
-            <a:r>
-              <a:rPr lang="en-US" dirty="0"/>
-              <a:t>, ab dem die </a:t>
-            </a:r>
-            <a:r>
-              <a:rPr lang="en-US" dirty="0" err="1"/>
-              <a:t>Abflachung</a:t>
-            </a:r>
-            <a:r>
-              <a:rPr lang="en-US" dirty="0"/>
-              <a:t> linear </a:t>
-            </a:r>
-            <a:r>
-              <a:rPr lang="en-US" dirty="0" err="1"/>
-              <a:t>wird</a:t>
+              <a:rPr lang="de-DE" dirty="0"/>
+              <a:t>Was ist Opinion Mining/</a:t>
+            </a:r>
+            <a:r>
+              <a:rPr lang="de-DE" dirty="0" err="1"/>
+              <a:t>Sentimentanalyse</a:t>
+            </a:r>
+            <a:r>
+              <a:rPr lang="de-DE" dirty="0"/>
+              <a:t>: versucht, Meinungsäußerungen (Information) in Newsgroups und Foren (Sprachdaten) automatisch zu erkennen und zu klassifizieren und damit letztlich Wissen über Meinung zu extrahieren.</a:t>
             </a:r>
             <a:endParaRPr lang="en-US" dirty="0"/>
           </a:p>
@@ -2019,7 +2036,7 @@
     </p:spTree>
     <p:extLst>
       <p:ext uri="{BB962C8B-B14F-4D97-AF65-F5344CB8AC3E}">
-        <p14:creationId xmlns:p14="http://schemas.microsoft.com/office/powerpoint/2010/main" val="1304047299"/>
+        <p14:creationId xmlns:p14="http://schemas.microsoft.com/office/powerpoint/2010/main" val="1322213660"/>
       </p:ext>
     </p:extLst>
   </p:cSld>
@@ -5285,7 +5302,7 @@
       </p:grpSpPr>
       <p:pic>
         <p:nvPicPr>
-          <p:cNvPr id="2" name="">
+          <p:cNvPr id="2" name="Grafik 1">
             <a:extLst>
               <a:ext uri="{FF2B5EF4-FFF2-40B4-BE49-F238E27FC236}">
                 <a16:creationId xmlns:a16="http://schemas.microsoft.com/office/drawing/2014/main" id="{129F043C-6404-8E30-A1AF-7B5DC5668018}"/>
@@ -5720,7 +5737,7 @@
         <p:spPr/>
         <p:txBody>
           <a:bodyPr vert="horz">
-            <a:normAutofit fontScale="77500" lnSpcReduction="20000"/>
+            <a:normAutofit fontScale="62500" lnSpcReduction="20000"/>
           </a:bodyPr>
           <a:lstStyle/>
           <a:p>
@@ -5812,6 +5829,25 @@
                 <a:hlinkClick r:id="rId4"/>
               </a:rPr>
               <a:t>https://www.geeksforgeeks.org/elbow-method-for-optimal-value-of-k-in-kmeans/</a:t>
+            </a:r>
+            <a:r>
+              <a:rPr lang="en-US" dirty="0"/>
+              <a:t> (24.07.2022)</a:t>
+            </a:r>
+          </a:p>
+          <a:p>
+            <a:pPr lvl="0">
+              <a:buSzPct val="45000"/>
+            </a:pPr>
+            <a:r>
+              <a:rPr lang="en-US" dirty="0"/>
+              <a:t>4: Developer Platform. Getting started. Twitter platform. Online: </a:t>
+            </a:r>
+            <a:r>
+              <a:rPr lang="en-US" dirty="0">
+                <a:hlinkClick r:id="rId5"/>
+              </a:rPr>
+              <a:t>https://developer.twitter.com/en/docs/twitter-api/getting-started/about-twitter-api</a:t>
             </a:r>
             <a:r>
               <a:rPr lang="en-US" dirty="0"/>
@@ -5918,7 +5954,7 @@
       </p:grpSpPr>
       <p:pic>
         <p:nvPicPr>
-          <p:cNvPr id="2" name="">
+          <p:cNvPr id="2" name="Grafik 1">
             <a:extLst>
               <a:ext uri="{FF2B5EF4-FFF2-40B4-BE49-F238E27FC236}">
                 <a16:creationId xmlns:a16="http://schemas.microsoft.com/office/drawing/2014/main" id="{8CBD471B-197A-9CA6-6800-C59C2AB503EB}"/>
@@ -6367,7 +6403,7 @@
       </p:grpSpPr>
       <p:pic>
         <p:nvPicPr>
-          <p:cNvPr id="2" name="">
+          <p:cNvPr id="2" name="Grafik 1">
             <a:extLst>
               <a:ext uri="{FF2B5EF4-FFF2-40B4-BE49-F238E27FC236}">
                 <a16:creationId xmlns:a16="http://schemas.microsoft.com/office/drawing/2014/main" id="{3C79F0FD-64A8-5EEB-2A91-CC6B05E86179}"/>
@@ -6615,7 +6651,7 @@
         </p:blipFill>
         <p:spPr>
           <a:xfrm>
-            <a:off x="6499041" y="1247552"/>
+            <a:off x="6779597" y="1172520"/>
             <a:ext cx="2796042" cy="3920456"/>
           </a:xfrm>
           <a:prstGeom prst="rect">
@@ -6645,10 +6681,43 @@
           <a:lstStyle/>
           <a:p>
             <a:pPr lvl="0"/>
-            <a:endParaRPr lang="en-US" dirty="0"/>
-          </a:p>
-        </p:txBody>
-      </p:sp>
+            <a:r>
+              <a:rPr lang="en-US" dirty="0"/>
+              <a:t>Quelle: 4</a:t>
+            </a:r>
+          </a:p>
+        </p:txBody>
+      </p:sp>
+      <p:pic>
+        <p:nvPicPr>
+          <p:cNvPr id="8" name="Grafik 7">
+            <a:extLst>
+              <a:ext uri="{FF2B5EF4-FFF2-40B4-BE49-F238E27FC236}">
+                <a16:creationId xmlns:a16="http://schemas.microsoft.com/office/drawing/2014/main" id="{C43A0311-6B4E-942D-4911-557385A8A331}"/>
+              </a:ext>
+            </a:extLst>
+          </p:cNvPr>
+          <p:cNvPicPr>
+            <a:picLocks noChangeAspect="1"/>
+          </p:cNvPicPr>
+          <p:nvPr/>
+        </p:nvPicPr>
+        <p:blipFill>
+          <a:blip r:embed="rId5"/>
+          <a:stretch>
+            <a:fillRect/>
+          </a:stretch>
+        </p:blipFill>
+        <p:spPr>
+          <a:xfrm>
+            <a:off x="5988058" y="3869887"/>
+            <a:ext cx="2227681" cy="1524593"/>
+          </a:xfrm>
+          <a:prstGeom prst="rect">
+            <a:avLst/>
+          </a:prstGeom>
+        </p:spPr>
+      </p:pic>
     </p:spTree>
   </p:cSld>
   <p:clrMapOvr>
@@ -6735,16 +6804,12 @@
           <a:p>
             <a:pPr lvl="0"/>
             <a:r>
+              <a:rPr lang="en-US" dirty="0" err="1"/>
+              <a:t>Kontext</a:t>
+            </a:r>
+            <a:r>
               <a:rPr lang="en-US" dirty="0"/>
-              <a:t>Das </a:t>
-            </a:r>
-            <a:r>
-              <a:rPr lang="en-US" dirty="0" err="1"/>
-              <a:t>Datenset</a:t>
-            </a:r>
-            <a:r>
-              <a:rPr lang="en-US" dirty="0"/>
-              <a:t> </a:t>
+              <a:t> 9€ Ticket</a:t>
             </a:r>
           </a:p>
         </p:txBody>
@@ -6809,40 +6874,10 @@
       </p:sp>
       <p:pic>
         <p:nvPicPr>
-          <p:cNvPr id="9" name="Grafik 8">
-            <a:extLst>
-              <a:ext uri="{FF2B5EF4-FFF2-40B4-BE49-F238E27FC236}">
-                <a16:creationId xmlns:a16="http://schemas.microsoft.com/office/drawing/2014/main" id="{8E94CC19-AA75-CDCE-05DA-ADBEE79B1EA3}"/>
-              </a:ext>
-            </a:extLst>
-          </p:cNvPr>
-          <p:cNvPicPr>
-            <a:picLocks noChangeAspect="1"/>
-          </p:cNvPicPr>
-          <p:nvPr/>
-        </p:nvPicPr>
-        <p:blipFill>
-          <a:blip r:embed="rId4"/>
-          <a:stretch>
-            <a:fillRect/>
-          </a:stretch>
-        </p:blipFill>
-        <p:spPr>
-          <a:xfrm>
-            <a:off x="764576" y="1172520"/>
-            <a:ext cx="2796042" cy="3920456"/>
-          </a:xfrm>
-          <a:prstGeom prst="rect">
-            <a:avLst/>
-          </a:prstGeom>
-        </p:spPr>
-      </p:pic>
-      <p:pic>
-        <p:nvPicPr>
-          <p:cNvPr id="7" name="Picture 4">
-            <a:extLst>
-              <a:ext uri="{FF2B5EF4-FFF2-40B4-BE49-F238E27FC236}">
-                <a16:creationId xmlns:a16="http://schemas.microsoft.com/office/drawing/2014/main" id="{4C71481E-CD4D-0A06-AF8C-1C48EB8B4F98}"/>
+          <p:cNvPr id="1032" name="Picture 8">
+            <a:extLst>
+              <a:ext uri="{FF2B5EF4-FFF2-40B4-BE49-F238E27FC236}">
+                <a16:creationId xmlns:a16="http://schemas.microsoft.com/office/drawing/2014/main" id="{3394C7AC-1AB1-89E0-9CDF-D1C296AD32F1}"/>
               </a:ext>
             </a:extLst>
           </p:cNvPr>
@@ -6852,7 +6887,7 @@
           <p:nvPr/>
         </p:nvPicPr>
         <p:blipFill>
-          <a:blip r:embed="rId5">
+          <a:blip r:embed="rId4">
             <a:extLst>
               <a:ext uri="{28A0092B-C50C-407E-A947-70E740481C1C}">
                 <a14:useLocalDpi xmlns:a14="http://schemas.microsoft.com/office/drawing/2010/main" val="0"/>
@@ -6866,8 +6901,8 @@
         </p:blipFill>
         <p:spPr bwMode="auto">
           <a:xfrm>
-            <a:off x="5323758" y="3242804"/>
-            <a:ext cx="3117440" cy="1616782"/>
+            <a:off x="1270522" y="1756435"/>
+            <a:ext cx="3448251" cy="2875059"/>
           </a:xfrm>
           <a:prstGeom prst="rect">
             <a:avLst/>
@@ -6886,40 +6921,57 @@
       </p:pic>
       <p:pic>
         <p:nvPicPr>
-          <p:cNvPr id="8" name="Grafik 7">
-            <a:extLst>
-              <a:ext uri="{FF2B5EF4-FFF2-40B4-BE49-F238E27FC236}">
-                <a16:creationId xmlns:a16="http://schemas.microsoft.com/office/drawing/2014/main" id="{A10258B6-7EF4-C2FD-CE16-C2883D454201}"/>
+          <p:cNvPr id="1034" name="Picture 10">
+            <a:extLst>
+              <a:ext uri="{FF2B5EF4-FFF2-40B4-BE49-F238E27FC236}">
+                <a16:creationId xmlns:a16="http://schemas.microsoft.com/office/drawing/2014/main" id="{A387C80F-D25D-2F71-CFBD-AA39D74782BA}"/>
               </a:ext>
             </a:extLst>
           </p:cNvPr>
           <p:cNvPicPr>
-            <a:picLocks noChangeAspect="1"/>
+            <a:picLocks noChangeAspect="1" noChangeArrowheads="1"/>
           </p:cNvPicPr>
           <p:nvPr/>
         </p:nvPicPr>
         <p:blipFill>
-          <a:blip r:embed="rId6"/>
+          <a:blip r:embed="rId5">
+            <a:extLst>
+              <a:ext uri="{28A0092B-C50C-407E-A947-70E740481C1C}">
+                <a14:useLocalDpi xmlns:a14="http://schemas.microsoft.com/office/drawing/2010/main" val="0"/>
+              </a:ext>
+            </a:extLst>
+          </a:blip>
+          <a:srcRect/>
           <a:stretch>
             <a:fillRect/>
           </a:stretch>
         </p:blipFill>
-        <p:spPr>
+        <p:spPr bwMode="auto">
           <a:xfrm>
-            <a:off x="3986879" y="1218355"/>
-            <a:ext cx="2361920" cy="1616464"/>
+            <a:off x="5242063" y="1751284"/>
+            <a:ext cx="3381512" cy="2880210"/>
           </a:xfrm>
           <a:prstGeom prst="rect">
             <a:avLst/>
           </a:prstGeom>
+          <a:noFill/>
+          <a:extLst>
+            <a:ext uri="{909E8E84-426E-40DD-AFC4-6F175D3DCCD1}">
+              <a14:hiddenFill xmlns:a14="http://schemas.microsoft.com/office/drawing/2010/main">
+                <a:solidFill>
+                  <a:srgbClr val="FFFFFF"/>
+                </a:solidFill>
+              </a14:hiddenFill>
+            </a:ext>
+          </a:extLst>
         </p:spPr>
       </p:pic>
       <p:sp>
         <p:nvSpPr>
-          <p:cNvPr id="6" name="Fußzeilenplatzhalter 5">
-            <a:extLst>
-              <a:ext uri="{FF2B5EF4-FFF2-40B4-BE49-F238E27FC236}">
-                <a16:creationId xmlns:a16="http://schemas.microsoft.com/office/drawing/2014/main" id="{22D5FAEF-6629-3CC4-4F7E-4459A569BFF1}"/>
+          <p:cNvPr id="8" name="Fußzeilenplatzhalter 7">
+            <a:extLst>
+              <a:ext uri="{FF2B5EF4-FFF2-40B4-BE49-F238E27FC236}">
+                <a16:creationId xmlns:a16="http://schemas.microsoft.com/office/drawing/2014/main" id="{DC6A6906-5E76-F7FB-CAE5-011161E09BC4}"/>
               </a:ext>
             </a:extLst>
           </p:cNvPr>
@@ -6943,7 +6995,7 @@
     </p:spTree>
     <p:extLst>
       <p:ext uri="{BB962C8B-B14F-4D97-AF65-F5344CB8AC3E}">
-        <p14:creationId xmlns:p14="http://schemas.microsoft.com/office/powerpoint/2010/main" val="273167317"/>
+        <p14:creationId xmlns:p14="http://schemas.microsoft.com/office/powerpoint/2010/main" val="4261193989"/>
       </p:ext>
     </p:extLst>
   </p:cSld>
@@ -6972,10 +7024,10 @@
       </p:grpSpPr>
       <p:pic>
         <p:nvPicPr>
-          <p:cNvPr id="2" name="">
-            <a:extLst>
-              <a:ext uri="{FF2B5EF4-FFF2-40B4-BE49-F238E27FC236}">
-                <a16:creationId xmlns:a16="http://schemas.microsoft.com/office/drawing/2014/main" id="{3C79F0FD-64A8-5EEB-2A91-CC6B05E86179}"/>
+          <p:cNvPr id="2" name="Grafik 1">
+            <a:extLst>
+              <a:ext uri="{FF2B5EF4-FFF2-40B4-BE49-F238E27FC236}">
+                <a16:creationId xmlns:a16="http://schemas.microsoft.com/office/drawing/2014/main" id="{8CBD471B-197A-9CA6-6800-C59C2AB503EB}"/>
               </a:ext>
             </a:extLst>
           </p:cNvPr>
@@ -7013,7 +7065,7 @@
           <p:cNvPr id="3" name="Titel 2">
             <a:extLst>
               <a:ext uri="{FF2B5EF4-FFF2-40B4-BE49-F238E27FC236}">
-                <a16:creationId xmlns:a16="http://schemas.microsoft.com/office/drawing/2014/main" id="{F7EF279D-64F4-211F-F3F0-49D59CFC748F}"/>
+                <a16:creationId xmlns:a16="http://schemas.microsoft.com/office/drawing/2014/main" id="{5F129FD0-72FC-E004-53A8-F9619362310F}"/>
               </a:ext>
             </a:extLst>
           </p:cNvPr>
@@ -7024,7 +7076,12 @@
             <p:ph type="title" idx="4294967295"/>
           </p:nvPr>
         </p:nvSpPr>
-        <p:spPr/>
+        <p:spPr>
+          <a:xfrm>
+            <a:off x="503999" y="273240"/>
+            <a:ext cx="9071640" cy="946440"/>
+          </a:xfrm>
+        </p:spPr>
         <p:txBody>
           <a:bodyPr vert="horz"/>
           <a:lstStyle/>
@@ -7032,12 +7089,176 @@
             <a:pPr lvl="0"/>
             <a:r>
               <a:rPr lang="en-US" dirty="0" err="1"/>
-              <a:t>Kontext</a:t>
-            </a:r>
+              <a:t>Sentimentanalyse</a:t>
+            </a:r>
+            <a:endParaRPr lang="en-US" dirty="0"/>
+          </a:p>
+        </p:txBody>
+      </p:sp>
+      <p:sp>
+        <p:nvSpPr>
+          <p:cNvPr id="4" name="Textplatzhalter 3">
+            <a:extLst>
+              <a:ext uri="{FF2B5EF4-FFF2-40B4-BE49-F238E27FC236}">
+                <a16:creationId xmlns:a16="http://schemas.microsoft.com/office/drawing/2014/main" id="{BE7B3F62-582B-123D-2ECE-29BF697C0566}"/>
+              </a:ext>
+            </a:extLst>
+          </p:cNvPr>
+          <p:cNvSpPr txBox="1">
+            <a:spLocks noGrp="1"/>
+          </p:cNvSpPr>
+          <p:nvPr>
+            <p:ph type="body" idx="4294967295"/>
+          </p:nvPr>
+        </p:nvSpPr>
+        <p:spPr>
+          <a:xfrm>
+            <a:off x="503998" y="1326600"/>
+            <a:ext cx="9554401" cy="3288239"/>
+          </a:xfrm>
+        </p:spPr>
+        <p:txBody>
+          <a:bodyPr vert="horz"/>
+          <a:lstStyle/>
+          <a:p>
+            <a:pPr lvl="0">
+              <a:buSzPct val="45000"/>
+              <a:buFont typeface="StarSymbol"/>
+              <a:buChar char="●"/>
+            </a:pPr>
             <a:r>
               <a:rPr lang="en-US" dirty="0"/>
-              <a:t> 9€ Ticket</a:t>
-            </a:r>
+              <a:t>Modell: </a:t>
+            </a:r>
+          </a:p>
+          <a:p>
+            <a:pPr lvl="1">
+              <a:buSzPct val="45000"/>
+              <a:buFont typeface="StarSymbol"/>
+              <a:buChar char="●"/>
+            </a:pPr>
+            <a:r>
+              <a:rPr lang="en-US" dirty="0"/>
+              <a:t>German Sentiment Classification with Bert </a:t>
+            </a:r>
+          </a:p>
+          <a:p>
+            <a:pPr lvl="1">
+              <a:buSzPct val="45000"/>
+              <a:buFont typeface="StarSymbol"/>
+              <a:buChar char="●"/>
+            </a:pPr>
+            <a:r>
+              <a:rPr lang="de-DE" dirty="0"/>
+              <a:t>Nutzt</a:t>
+            </a:r>
+            <a:r>
+              <a:rPr lang="en-US" dirty="0"/>
+              <a:t> die Google Bert </a:t>
+            </a:r>
+            <a:r>
+              <a:rPr lang="en-US" dirty="0" err="1"/>
+              <a:t>Architektur</a:t>
+            </a:r>
+            <a:endParaRPr lang="en-US" dirty="0"/>
+          </a:p>
+          <a:p>
+            <a:pPr lvl="1">
+              <a:buSzPct val="45000"/>
+              <a:buFont typeface="StarSymbol"/>
+              <a:buChar char="●"/>
+            </a:pPr>
+            <a:r>
+              <a:rPr lang="en-US" dirty="0" err="1"/>
+              <a:t>Trainiert</a:t>
+            </a:r>
+            <a:r>
+              <a:rPr lang="en-US" dirty="0"/>
+              <a:t> auf 1.834 Mio </a:t>
+            </a:r>
+            <a:r>
+              <a:rPr lang="en-US" dirty="0" err="1"/>
+              <a:t>deutschsprachigen</a:t>
+            </a:r>
+            <a:r>
+              <a:rPr lang="en-US" dirty="0"/>
+              <a:t> </a:t>
+            </a:r>
+            <a:r>
+              <a:rPr lang="en-US" dirty="0" err="1"/>
+              <a:t>Beispieltexten</a:t>
+            </a:r>
+            <a:endParaRPr lang="en-US" dirty="0"/>
+          </a:p>
+          <a:p>
+            <a:pPr lvl="1">
+              <a:buSzPct val="45000"/>
+              <a:buFont typeface="StarSymbol"/>
+              <a:buChar char="●"/>
+            </a:pPr>
+            <a:r>
+              <a:rPr lang="en-US" dirty="0"/>
+              <a:t>In </a:t>
+            </a:r>
+            <a:r>
+              <a:rPr lang="en-US" dirty="0" err="1"/>
+              <a:t>einem</a:t>
+            </a:r>
+            <a:r>
+              <a:rPr lang="en-US" dirty="0"/>
+              <a:t> Python-Package </a:t>
+            </a:r>
+            <a:r>
+              <a:rPr lang="en-US" dirty="0" err="1"/>
+              <a:t>gebündelter</a:t>
+            </a:r>
+            <a:r>
+              <a:rPr lang="en-US" dirty="0"/>
+              <a:t> Code</a:t>
+            </a:r>
+          </a:p>
+          <a:p>
+            <a:pPr lvl="1">
+              <a:buSzPct val="45000"/>
+              <a:buFont typeface="StarSymbol"/>
+              <a:buChar char="●"/>
+            </a:pPr>
+            <a:r>
+              <a:rPr lang="en-US" dirty="0"/>
+              <a:t>MIT License (</a:t>
+            </a:r>
+            <a:r>
+              <a:rPr lang="en-US" dirty="0" err="1"/>
+              <a:t>Erhaltung</a:t>
+            </a:r>
+            <a:r>
+              <a:rPr lang="en-US" dirty="0"/>
+              <a:t> von </a:t>
+            </a:r>
+            <a:r>
+              <a:rPr lang="en-US" dirty="0" err="1"/>
+              <a:t>Urheberrechts</a:t>
+            </a:r>
+            <a:r>
+              <a:rPr lang="en-US" dirty="0"/>
+              <a:t>- und </a:t>
+            </a:r>
+            <a:r>
+              <a:rPr lang="en-US" dirty="0" err="1"/>
+              <a:t>Lizenzvermerken</a:t>
+            </a:r>
+            <a:r>
+              <a:rPr lang="en-US" dirty="0"/>
+              <a:t>)</a:t>
+            </a:r>
+          </a:p>
+          <a:p>
+            <a:pPr lvl="1">
+              <a:buSzPct val="45000"/>
+              <a:buFont typeface="StarSymbol"/>
+              <a:buChar char="●"/>
+            </a:pPr>
+            <a:endParaRPr lang="en-US" dirty="0"/>
           </a:p>
         </p:txBody>
       </p:sp>
@@ -7046,7 +7267,7 @@
           <p:cNvPr id="5" name="Textfeld 4">
             <a:extLst>
               <a:ext uri="{FF2B5EF4-FFF2-40B4-BE49-F238E27FC236}">
-                <a16:creationId xmlns:a16="http://schemas.microsoft.com/office/drawing/2014/main" id="{A5295C83-55CF-C4BA-84B7-0DDA1ED208C7}"/>
+                <a16:creationId xmlns:a16="http://schemas.microsoft.com/office/drawing/2014/main" id="{9D7303CD-763D-2A38-08C3-DB08FCC19A37}"/>
               </a:ext>
             </a:extLst>
           </p:cNvPr>
@@ -7085,7 +7306,7 @@
               <a:buNone/>
               <a:tabLst/>
             </a:pPr>
-            <a:fld id="{ABEBA7EF-5774-4DDD-B883-500657EE155F}" type="slidenum">
+            <a:fld id="{91CD7B40-FCA9-49D6-9B53-7164D24F73CB}" type="slidenum">
               <a:t>5</a:t>
             </a:fld>
             <a:endParaRPr lang="en-US" sz="900" b="0" i="0" u="none" strike="noStrike" kern="1200" cap="none">
@@ -7099,106 +7320,12 @@
           </a:p>
         </p:txBody>
       </p:sp>
-      <p:pic>
-        <p:nvPicPr>
-          <p:cNvPr id="1032" name="Picture 8">
-            <a:extLst>
-              <a:ext uri="{FF2B5EF4-FFF2-40B4-BE49-F238E27FC236}">
-                <a16:creationId xmlns:a16="http://schemas.microsoft.com/office/drawing/2014/main" id="{3394C7AC-1AB1-89E0-9CDF-D1C296AD32F1}"/>
-              </a:ext>
-            </a:extLst>
-          </p:cNvPr>
-          <p:cNvPicPr>
-            <a:picLocks noChangeAspect="1" noChangeArrowheads="1"/>
-          </p:cNvPicPr>
-          <p:nvPr/>
-        </p:nvPicPr>
-        <p:blipFill>
-          <a:blip r:embed="rId4">
-            <a:extLst>
-              <a:ext uri="{28A0092B-C50C-407E-A947-70E740481C1C}">
-                <a14:useLocalDpi xmlns:a14="http://schemas.microsoft.com/office/drawing/2010/main" val="0"/>
-              </a:ext>
-            </a:extLst>
-          </a:blip>
-          <a:srcRect/>
-          <a:stretch>
-            <a:fillRect/>
-          </a:stretch>
-        </p:blipFill>
-        <p:spPr bwMode="auto">
-          <a:xfrm>
-            <a:off x="1270522" y="1756435"/>
-            <a:ext cx="3448251" cy="2875059"/>
-          </a:xfrm>
-          <a:prstGeom prst="rect">
-            <a:avLst/>
-          </a:prstGeom>
-          <a:noFill/>
-          <a:extLst>
-            <a:ext uri="{909E8E84-426E-40DD-AFC4-6F175D3DCCD1}">
-              <a14:hiddenFill xmlns:a14="http://schemas.microsoft.com/office/drawing/2010/main">
-                <a:solidFill>
-                  <a:srgbClr val="FFFFFF"/>
-                </a:solidFill>
-              </a14:hiddenFill>
-            </a:ext>
-          </a:extLst>
-        </p:spPr>
-      </p:pic>
-      <p:pic>
-        <p:nvPicPr>
-          <p:cNvPr id="1034" name="Picture 10">
-            <a:extLst>
-              <a:ext uri="{FF2B5EF4-FFF2-40B4-BE49-F238E27FC236}">
-                <a16:creationId xmlns:a16="http://schemas.microsoft.com/office/drawing/2014/main" id="{A387C80F-D25D-2F71-CFBD-AA39D74782BA}"/>
-              </a:ext>
-            </a:extLst>
-          </p:cNvPr>
-          <p:cNvPicPr>
-            <a:picLocks noChangeAspect="1" noChangeArrowheads="1"/>
-          </p:cNvPicPr>
-          <p:nvPr/>
-        </p:nvPicPr>
-        <p:blipFill>
-          <a:blip r:embed="rId5">
-            <a:extLst>
-              <a:ext uri="{28A0092B-C50C-407E-A947-70E740481C1C}">
-                <a14:useLocalDpi xmlns:a14="http://schemas.microsoft.com/office/drawing/2010/main" val="0"/>
-              </a:ext>
-            </a:extLst>
-          </a:blip>
-          <a:srcRect/>
-          <a:stretch>
-            <a:fillRect/>
-          </a:stretch>
-        </p:blipFill>
-        <p:spPr bwMode="auto">
-          <a:xfrm>
-            <a:off x="5242063" y="1751284"/>
-            <a:ext cx="3381512" cy="2880210"/>
-          </a:xfrm>
-          <a:prstGeom prst="rect">
-            <a:avLst/>
-          </a:prstGeom>
-          <a:noFill/>
-          <a:extLst>
-            <a:ext uri="{909E8E84-426E-40DD-AFC4-6F175D3DCCD1}">
-              <a14:hiddenFill xmlns:a14="http://schemas.microsoft.com/office/drawing/2010/main">
-                <a:solidFill>
-                  <a:srgbClr val="FFFFFF"/>
-                </a:solidFill>
-              </a14:hiddenFill>
-            </a:ext>
-          </a:extLst>
-        </p:spPr>
-      </p:pic>
-      <p:sp>
-        <p:nvSpPr>
-          <p:cNvPr id="8" name="Fußzeilenplatzhalter 7">
-            <a:extLst>
-              <a:ext uri="{FF2B5EF4-FFF2-40B4-BE49-F238E27FC236}">
-                <a16:creationId xmlns:a16="http://schemas.microsoft.com/office/drawing/2014/main" id="{DC6A6906-5E76-F7FB-CAE5-011161E09BC4}"/>
+      <p:sp>
+        <p:nvSpPr>
+          <p:cNvPr id="10" name="Fußzeilenplatzhalter 9">
+            <a:extLst>
+              <a:ext uri="{FF2B5EF4-FFF2-40B4-BE49-F238E27FC236}">
+                <a16:creationId xmlns:a16="http://schemas.microsoft.com/office/drawing/2014/main" id="{18500E83-202F-175B-FFC5-5DB0F295C0DA}"/>
               </a:ext>
             </a:extLst>
           </p:cNvPr>
@@ -7215,14 +7342,17 @@
           <a:lstStyle/>
           <a:p>
             <a:pPr lvl="0"/>
-            <a:endParaRPr lang="en-US" dirty="0"/>
+            <a:r>
+              <a:rPr lang="en-US" dirty="0"/>
+              <a:t>Quelle: 1, 2</a:t>
+            </a:r>
           </a:p>
         </p:txBody>
       </p:sp>
     </p:spTree>
     <p:extLst>
       <p:ext uri="{BB962C8B-B14F-4D97-AF65-F5344CB8AC3E}">
-        <p14:creationId xmlns:p14="http://schemas.microsoft.com/office/powerpoint/2010/main" val="4261193989"/>
+        <p14:creationId xmlns:p14="http://schemas.microsoft.com/office/powerpoint/2010/main" val="3729865801"/>
       </p:ext>
     </p:extLst>
   </p:cSld>
@@ -7251,7 +7381,7 @@
       </p:grpSpPr>
       <p:pic>
         <p:nvPicPr>
-          <p:cNvPr id="2" name="">
+          <p:cNvPr id="2" name="Grafik 1">
             <a:extLst>
               <a:ext uri="{FF2B5EF4-FFF2-40B4-BE49-F238E27FC236}">
                 <a16:creationId xmlns:a16="http://schemas.microsoft.com/office/drawing/2014/main" id="{8CBD471B-197A-9CA6-6800-C59C2AB503EB}"/>
@@ -7324,173 +7454,6 @@
       </p:sp>
       <p:sp>
         <p:nvSpPr>
-          <p:cNvPr id="4" name="Textplatzhalter 3">
-            <a:extLst>
-              <a:ext uri="{FF2B5EF4-FFF2-40B4-BE49-F238E27FC236}">
-                <a16:creationId xmlns:a16="http://schemas.microsoft.com/office/drawing/2014/main" id="{BE7B3F62-582B-123D-2ECE-29BF697C0566}"/>
-              </a:ext>
-            </a:extLst>
-          </p:cNvPr>
-          <p:cNvSpPr txBox="1">
-            <a:spLocks noGrp="1"/>
-          </p:cNvSpPr>
-          <p:nvPr>
-            <p:ph type="body" idx="4294967295"/>
-          </p:nvPr>
-        </p:nvSpPr>
-        <p:spPr>
-          <a:xfrm>
-            <a:off x="503998" y="1326600"/>
-            <a:ext cx="9554401" cy="3288239"/>
-          </a:xfrm>
-        </p:spPr>
-        <p:txBody>
-          <a:bodyPr vert="horz"/>
-          <a:lstStyle/>
-          <a:p>
-            <a:pPr lvl="0">
-              <a:buSzPct val="45000"/>
-              <a:buFont typeface="StarSymbol"/>
-              <a:buChar char="●"/>
-            </a:pPr>
-            <a:r>
-              <a:rPr lang="en-US" dirty="0"/>
-              <a:t>Modell: </a:t>
-            </a:r>
-          </a:p>
-          <a:p>
-            <a:pPr lvl="1">
-              <a:buSzPct val="45000"/>
-              <a:buFont typeface="StarSymbol"/>
-              <a:buChar char="●"/>
-            </a:pPr>
-            <a:r>
-              <a:rPr lang="en-US" dirty="0"/>
-              <a:t>German Sentiment Classification with Bert </a:t>
-            </a:r>
-          </a:p>
-          <a:p>
-            <a:pPr lvl="1">
-              <a:buSzPct val="45000"/>
-              <a:buFont typeface="StarSymbol"/>
-              <a:buChar char="●"/>
-            </a:pPr>
-            <a:r>
-              <a:rPr lang="de-DE" dirty="0"/>
-              <a:t>Nutzt</a:t>
-            </a:r>
-            <a:r>
-              <a:rPr lang="en-US" dirty="0"/>
-              <a:t> die Google Bert </a:t>
-            </a:r>
-            <a:r>
-              <a:rPr lang="en-US" dirty="0" err="1"/>
-              <a:t>Architektur</a:t>
-            </a:r>
-            <a:endParaRPr lang="en-US" dirty="0"/>
-          </a:p>
-          <a:p>
-            <a:pPr lvl="1">
-              <a:buSzPct val="45000"/>
-              <a:buFont typeface="StarSymbol"/>
-              <a:buChar char="●"/>
-            </a:pPr>
-            <a:r>
-              <a:rPr lang="en-US" dirty="0" err="1"/>
-              <a:t>Trainiert</a:t>
-            </a:r>
-            <a:r>
-              <a:rPr lang="en-US" dirty="0"/>
-              <a:t> auf 1.834 Mio </a:t>
-            </a:r>
-            <a:r>
-              <a:rPr lang="en-US" dirty="0" err="1"/>
-              <a:t>deutschsprachigen</a:t>
-            </a:r>
-            <a:r>
-              <a:rPr lang="en-US" dirty="0"/>
-              <a:t> </a:t>
-            </a:r>
-            <a:r>
-              <a:rPr lang="en-US" dirty="0" err="1"/>
-              <a:t>Beispieltexten</a:t>
-            </a:r>
-            <a:endParaRPr lang="en-US" dirty="0"/>
-          </a:p>
-          <a:p>
-            <a:pPr lvl="1">
-              <a:buSzPct val="45000"/>
-              <a:buFont typeface="StarSymbol"/>
-              <a:buChar char="●"/>
-            </a:pPr>
-            <a:r>
-              <a:rPr lang="en-US" dirty="0"/>
-              <a:t>In </a:t>
-            </a:r>
-            <a:r>
-              <a:rPr lang="en-US" dirty="0" err="1"/>
-              <a:t>einem</a:t>
-            </a:r>
-            <a:r>
-              <a:rPr lang="en-US" dirty="0"/>
-              <a:t> Python-Package </a:t>
-            </a:r>
-            <a:r>
-              <a:rPr lang="en-US" dirty="0" err="1"/>
-              <a:t>gebündelter</a:t>
-            </a:r>
-            <a:r>
-              <a:rPr lang="en-US" dirty="0"/>
-              <a:t> Code</a:t>
-            </a:r>
-          </a:p>
-          <a:p>
-            <a:pPr lvl="1">
-              <a:buSzPct val="45000"/>
-              <a:buFont typeface="StarSymbol"/>
-              <a:buChar char="●"/>
-            </a:pPr>
-            <a:r>
-              <a:rPr lang="en-US" dirty="0"/>
-              <a:t>MIT License (</a:t>
-            </a:r>
-            <a:r>
-              <a:rPr lang="en-US" dirty="0" err="1"/>
-              <a:t>Erhaltung</a:t>
-            </a:r>
-            <a:r>
-              <a:rPr lang="en-US" dirty="0"/>
-              <a:t> von </a:t>
-            </a:r>
-            <a:r>
-              <a:rPr lang="en-US" dirty="0" err="1"/>
-              <a:t>Urheberrechts</a:t>
-            </a:r>
-            <a:r>
-              <a:rPr lang="en-US" dirty="0"/>
-              <a:t>- und </a:t>
-            </a:r>
-            <a:r>
-              <a:rPr lang="en-US" dirty="0" err="1"/>
-              <a:t>Lizenzvermerken</a:t>
-            </a:r>
-            <a:r>
-              <a:rPr lang="en-US" dirty="0"/>
-              <a:t>)</a:t>
-            </a:r>
-          </a:p>
-          <a:p>
-            <a:pPr lvl="1">
-              <a:buSzPct val="45000"/>
-              <a:buFont typeface="StarSymbol"/>
-              <a:buChar char="●"/>
-            </a:pPr>
-            <a:endParaRPr lang="en-US" dirty="0"/>
-          </a:p>
-        </p:txBody>
-      </p:sp>
-      <p:sp>
-        <p:nvSpPr>
           <p:cNvPr id="5" name="Textfeld 4">
             <a:extLst>
               <a:ext uri="{FF2B5EF4-FFF2-40B4-BE49-F238E27FC236}">
@@ -7535,196 +7498,6 @@
             </a:pPr>
             <a:fld id="{91CD7B40-FCA9-49D6-9B53-7164D24F73CB}" type="slidenum">
               <a:t>6</a:t>
-            </a:fld>
-            <a:endParaRPr lang="en-US" sz="900" b="0" i="0" u="none" strike="noStrike" kern="1200" cap="none">
-              <a:ln>
-                <a:noFill/>
-              </a:ln>
-              <a:latin typeface="Liberation Sans" pitchFamily="18"/>
-              <a:ea typeface="Noto Sans CJK SC" pitchFamily="2"/>
-              <a:cs typeface="Noto Sans Devanagari" pitchFamily="2"/>
-            </a:endParaRPr>
-          </a:p>
-        </p:txBody>
-      </p:sp>
-      <p:sp>
-        <p:nvSpPr>
-          <p:cNvPr id="10" name="Fußzeilenplatzhalter 9">
-            <a:extLst>
-              <a:ext uri="{FF2B5EF4-FFF2-40B4-BE49-F238E27FC236}">
-                <a16:creationId xmlns:a16="http://schemas.microsoft.com/office/drawing/2014/main" id="{18500E83-202F-175B-FFC5-5DB0F295C0DA}"/>
-              </a:ext>
-            </a:extLst>
-          </p:cNvPr>
-          <p:cNvSpPr>
-            <a:spLocks noGrp="1"/>
-          </p:cNvSpPr>
-          <p:nvPr>
-            <p:ph type="ftr" sz="quarter" idx="11"/>
-          </p:nvPr>
-        </p:nvSpPr>
-        <p:spPr/>
-        <p:txBody>
-          <a:bodyPr/>
-          <a:lstStyle/>
-          <a:p>
-            <a:pPr lvl="0"/>
-            <a:r>
-              <a:rPr lang="en-US" dirty="0"/>
-              <a:t>Quelle: 1, 2</a:t>
-            </a:r>
-          </a:p>
-        </p:txBody>
-      </p:sp>
-    </p:spTree>
-    <p:extLst>
-      <p:ext uri="{BB962C8B-B14F-4D97-AF65-F5344CB8AC3E}">
-        <p14:creationId xmlns:p14="http://schemas.microsoft.com/office/powerpoint/2010/main" val="3729865801"/>
-      </p:ext>
-    </p:extLst>
-  </p:cSld>
-  <p:clrMapOvr>
-    <a:masterClrMapping/>
-  </p:clrMapOvr>
-</p:sld>
-</file>
-
-<file path=ppt/slides/slide7.xml><?xml version="1.0" encoding="utf-8"?>
-<p:sld xmlns:a="http://schemas.openxmlformats.org/drawingml/2006/main" xmlns:r="http://schemas.openxmlformats.org/officeDocument/2006/relationships" xmlns:p="http://schemas.openxmlformats.org/presentationml/2006/main">
-  <p:cSld>
-    <p:spTree>
-      <p:nvGrpSpPr>
-        <p:cNvPr id="1" name=""/>
-        <p:cNvGrpSpPr/>
-        <p:nvPr/>
-      </p:nvGrpSpPr>
-      <p:grpSpPr>
-        <a:xfrm>
-          <a:off x="0" y="0"/>
-          <a:ext cx="0" cy="0"/>
-          <a:chOff x="0" y="0"/>
-          <a:chExt cx="0" cy="0"/>
-        </a:xfrm>
-      </p:grpSpPr>
-      <p:pic>
-        <p:nvPicPr>
-          <p:cNvPr id="2" name="">
-            <a:extLst>
-              <a:ext uri="{FF2B5EF4-FFF2-40B4-BE49-F238E27FC236}">
-                <a16:creationId xmlns:a16="http://schemas.microsoft.com/office/drawing/2014/main" id="{8CBD471B-197A-9CA6-6800-C59C2AB503EB}"/>
-              </a:ext>
-            </a:extLst>
-          </p:cNvPr>
-          <p:cNvPicPr>
-            <a:picLocks noChangeAspect="1"/>
-          </p:cNvPicPr>
-          <p:nvPr/>
-        </p:nvPicPr>
-        <p:blipFill>
-          <a:blip r:embed="rId3">
-            <a:lum/>
-            <a:alphaModFix amt="10000"/>
-          </a:blip>
-          <a:srcRect/>
-          <a:stretch>
-            <a:fillRect/>
-          </a:stretch>
-        </p:blipFill>
-        <p:spPr>
-          <a:xfrm>
-            <a:off x="-20880" y="0"/>
-            <a:ext cx="10079280" cy="5669640"/>
-          </a:xfrm>
-          <a:prstGeom prst="rect">
-            <a:avLst/>
-          </a:prstGeom>
-          <a:noFill/>
-          <a:ln>
-            <a:noFill/>
-          </a:ln>
-        </p:spPr>
-      </p:pic>
-      <p:sp>
-        <p:nvSpPr>
-          <p:cNvPr id="3" name="Titel 2">
-            <a:extLst>
-              <a:ext uri="{FF2B5EF4-FFF2-40B4-BE49-F238E27FC236}">
-                <a16:creationId xmlns:a16="http://schemas.microsoft.com/office/drawing/2014/main" id="{5F129FD0-72FC-E004-53A8-F9619362310F}"/>
-              </a:ext>
-            </a:extLst>
-          </p:cNvPr>
-          <p:cNvSpPr txBox="1">
-            <a:spLocks noGrp="1"/>
-          </p:cNvSpPr>
-          <p:nvPr>
-            <p:ph type="title" idx="4294967295"/>
-          </p:nvPr>
-        </p:nvSpPr>
-        <p:spPr>
-          <a:xfrm>
-            <a:off x="503999" y="273240"/>
-            <a:ext cx="9071640" cy="946440"/>
-          </a:xfrm>
-        </p:spPr>
-        <p:txBody>
-          <a:bodyPr vert="horz"/>
-          <a:lstStyle/>
-          <a:p>
-            <a:pPr lvl="0"/>
-            <a:r>
-              <a:rPr lang="en-US" dirty="0" err="1"/>
-              <a:t>Sentimentanalyse</a:t>
-            </a:r>
-            <a:endParaRPr lang="en-US" dirty="0"/>
-          </a:p>
-        </p:txBody>
-      </p:sp>
-      <p:sp>
-        <p:nvSpPr>
-          <p:cNvPr id="5" name="Textfeld 4">
-            <a:extLst>
-              <a:ext uri="{FF2B5EF4-FFF2-40B4-BE49-F238E27FC236}">
-                <a16:creationId xmlns:a16="http://schemas.microsoft.com/office/drawing/2014/main" id="{9D7303CD-763D-2A38-08C3-DB08FCC19A37}"/>
-              </a:ext>
-            </a:extLst>
-          </p:cNvPr>
-          <p:cNvSpPr txBox="1"/>
-          <p:nvPr/>
-        </p:nvSpPr>
-        <p:spPr>
-          <a:xfrm>
-            <a:off x="9372600" y="5243040"/>
-            <a:ext cx="3832559" cy="427320"/>
-          </a:xfrm>
-          <a:prstGeom prst="rect">
-            <a:avLst/>
-          </a:prstGeom>
-          <a:noFill/>
-          <a:ln>
-            <a:noFill/>
-          </a:ln>
-        </p:spPr>
-        <p:txBody>
-          <a:bodyPr vert="horz" wrap="none" lIns="90000" tIns="45000" rIns="90000" bIns="45000" anchorCtr="0" compatLnSpc="0">
-            <a:spAutoFit/>
-          </a:bodyPr>
-          <a:lstStyle/>
-          <a:p>
-            <a:pPr marL="0" marR="0" lvl="0" indent="0" rtl="0" hangingPunct="0">
-              <a:lnSpc>
-                <a:spcPct val="100000"/>
-              </a:lnSpc>
-              <a:spcBef>
-                <a:spcPts val="0"/>
-              </a:spcBef>
-              <a:spcAft>
-                <a:spcPts val="0"/>
-              </a:spcAft>
-              <a:buNone/>
-              <a:tabLst/>
-            </a:pPr>
-            <a:fld id="{91CD7B40-FCA9-49D6-9B53-7164D24F73CB}" type="slidenum">
-              <a:t>7</a:t>
             </a:fld>
             <a:endParaRPr lang="en-US" sz="900" b="0" i="0" u="none" strike="noStrike" kern="1200" cap="none">
               <a:ln>
@@ -7853,7 +7626,7 @@
 </p:sld>
 </file>
 
-<file path=ppt/slides/slide8.xml><?xml version="1.0" encoding="utf-8"?>
+<file path=ppt/slides/slide7.xml><?xml version="1.0" encoding="utf-8"?>
 <p:sld xmlns:a="http://schemas.openxmlformats.org/drawingml/2006/main" xmlns:r="http://schemas.openxmlformats.org/officeDocument/2006/relationships" xmlns:p="http://schemas.openxmlformats.org/presentationml/2006/main">
   <p:cSld>
     <p:spTree>
@@ -7872,7 +7645,7 @@
       </p:grpSpPr>
       <p:pic>
         <p:nvPicPr>
-          <p:cNvPr id="2" name="">
+          <p:cNvPr id="2" name="Grafik 1">
             <a:extLst>
               <a:ext uri="{FF2B5EF4-FFF2-40B4-BE49-F238E27FC236}">
                 <a16:creationId xmlns:a16="http://schemas.microsoft.com/office/drawing/2014/main" id="{8CBD471B-197A-9CA6-6800-C59C2AB503EB}"/>
@@ -7988,7 +7761,7 @@
               <a:tabLst/>
             </a:pPr>
             <a:fld id="{91CD7B40-FCA9-49D6-9B53-7164D24F73CB}" type="slidenum">
-              <a:t>8</a:t>
+              <a:t>7</a:t>
             </a:fld>
             <a:endParaRPr lang="en-US" sz="900" b="0" i="0" u="none" strike="noStrike" kern="1200" cap="none">
               <a:ln>
@@ -8087,7 +7860,7 @@
 </p:sld>
 </file>
 
-<file path=ppt/slides/slide9.xml><?xml version="1.0" encoding="utf-8"?>
+<file path=ppt/slides/slide8.xml><?xml version="1.0" encoding="utf-8"?>
 <p:sld xmlns:a="http://schemas.openxmlformats.org/drawingml/2006/main" xmlns:r="http://schemas.openxmlformats.org/officeDocument/2006/relationships" xmlns:p="http://schemas.openxmlformats.org/presentationml/2006/main">
   <p:cSld>
     <p:spTree>
@@ -8106,7 +7879,7 @@
       </p:grpSpPr>
       <p:pic>
         <p:nvPicPr>
-          <p:cNvPr id="2" name="">
+          <p:cNvPr id="2" name="Grafik 1">
             <a:extLst>
               <a:ext uri="{FF2B5EF4-FFF2-40B4-BE49-F238E27FC236}">
                 <a16:creationId xmlns:a16="http://schemas.microsoft.com/office/drawing/2014/main" id="{8CBD471B-197A-9CA6-6800-C59C2AB503EB}"/>
@@ -8221,7 +7994,7 @@
               <a:tabLst/>
             </a:pPr>
             <a:fld id="{91CD7B40-FCA9-49D6-9B53-7164D24F73CB}" type="slidenum">
-              <a:t>9</a:t>
+              <a:t>8</a:t>
             </a:fld>
             <a:endParaRPr lang="en-US" sz="900" b="0" i="0" u="none" strike="noStrike" kern="1200" cap="none">
               <a:ln>
@@ -8602,6 +8375,249 @@
     <p:extLst>
       <p:ext uri="{BB962C8B-B14F-4D97-AF65-F5344CB8AC3E}">
         <p14:creationId xmlns:p14="http://schemas.microsoft.com/office/powerpoint/2010/main" val="916851198"/>
+      </p:ext>
+    </p:extLst>
+  </p:cSld>
+  <p:clrMapOvr>
+    <a:masterClrMapping/>
+  </p:clrMapOvr>
+</p:sld>
+</file>
+
+<file path=ppt/slides/slide9.xml><?xml version="1.0" encoding="utf-8"?>
+<p:sld xmlns:a="http://schemas.openxmlformats.org/drawingml/2006/main" xmlns:r="http://schemas.openxmlformats.org/officeDocument/2006/relationships" xmlns:p="http://schemas.openxmlformats.org/presentationml/2006/main">
+  <p:cSld>
+    <p:spTree>
+      <p:nvGrpSpPr>
+        <p:cNvPr id="1" name=""/>
+        <p:cNvGrpSpPr/>
+        <p:nvPr/>
+      </p:nvGrpSpPr>
+      <p:grpSpPr>
+        <a:xfrm>
+          <a:off x="0" y="0"/>
+          <a:ext cx="0" cy="0"/>
+          <a:chOff x="0" y="0"/>
+          <a:chExt cx="0" cy="0"/>
+        </a:xfrm>
+      </p:grpSpPr>
+      <p:pic>
+        <p:nvPicPr>
+          <p:cNvPr id="2" name="Grafik 1">
+            <a:extLst>
+              <a:ext uri="{FF2B5EF4-FFF2-40B4-BE49-F238E27FC236}">
+                <a16:creationId xmlns:a16="http://schemas.microsoft.com/office/drawing/2014/main" id="{8CBD471B-197A-9CA6-6800-C59C2AB503EB}"/>
+              </a:ext>
+            </a:extLst>
+          </p:cNvPr>
+          <p:cNvPicPr>
+            <a:picLocks noChangeAspect="1"/>
+          </p:cNvPicPr>
+          <p:nvPr/>
+        </p:nvPicPr>
+        <p:blipFill>
+          <a:blip r:embed="rId3">
+            <a:lum/>
+            <a:alphaModFix amt="10000"/>
+          </a:blip>
+          <a:srcRect/>
+          <a:stretch>
+            <a:fillRect/>
+          </a:stretch>
+        </p:blipFill>
+        <p:spPr>
+          <a:xfrm>
+            <a:off x="-20880" y="0"/>
+            <a:ext cx="10079280" cy="5669640"/>
+          </a:xfrm>
+          <a:prstGeom prst="rect">
+            <a:avLst/>
+          </a:prstGeom>
+          <a:noFill/>
+          <a:ln>
+            <a:noFill/>
+          </a:ln>
+        </p:spPr>
+      </p:pic>
+      <p:sp>
+        <p:nvSpPr>
+          <p:cNvPr id="3" name="Titel 2">
+            <a:extLst>
+              <a:ext uri="{FF2B5EF4-FFF2-40B4-BE49-F238E27FC236}">
+                <a16:creationId xmlns:a16="http://schemas.microsoft.com/office/drawing/2014/main" id="{5F129FD0-72FC-E004-53A8-F9619362310F}"/>
+              </a:ext>
+            </a:extLst>
+          </p:cNvPr>
+          <p:cNvSpPr txBox="1">
+            <a:spLocks noGrp="1"/>
+          </p:cNvSpPr>
+          <p:nvPr>
+            <p:ph type="title" idx="4294967295"/>
+          </p:nvPr>
+        </p:nvSpPr>
+        <p:spPr>
+          <a:xfrm>
+            <a:off x="503999" y="273240"/>
+            <a:ext cx="9071640" cy="946440"/>
+          </a:xfrm>
+        </p:spPr>
+        <p:txBody>
+          <a:bodyPr vert="horz"/>
+          <a:lstStyle/>
+          <a:p>
+            <a:pPr lvl="0"/>
+            <a:r>
+              <a:rPr lang="en-US" dirty="0" err="1"/>
+              <a:t>Sentimentanalyse</a:t>
+            </a:r>
+            <a:endParaRPr lang="en-US" dirty="0"/>
+          </a:p>
+        </p:txBody>
+      </p:sp>
+      <p:sp>
+        <p:nvSpPr>
+          <p:cNvPr id="4" name="Textplatzhalter 3">
+            <a:extLst>
+              <a:ext uri="{FF2B5EF4-FFF2-40B4-BE49-F238E27FC236}">
+                <a16:creationId xmlns:a16="http://schemas.microsoft.com/office/drawing/2014/main" id="{BE7B3F62-582B-123D-2ECE-29BF697C0566}"/>
+              </a:ext>
+            </a:extLst>
+          </p:cNvPr>
+          <p:cNvSpPr txBox="1">
+            <a:spLocks noGrp="1"/>
+          </p:cNvSpPr>
+          <p:nvPr>
+            <p:ph type="body" idx="4294967295"/>
+          </p:nvPr>
+        </p:nvSpPr>
+        <p:spPr>
+          <a:xfrm>
+            <a:off x="503998" y="1326600"/>
+            <a:ext cx="9554401" cy="3288239"/>
+          </a:xfrm>
+        </p:spPr>
+        <p:txBody>
+          <a:bodyPr vert="horz"/>
+          <a:lstStyle/>
+          <a:p>
+            <a:pPr lvl="1">
+              <a:buSzPct val="45000"/>
+              <a:buFont typeface="StarSymbol"/>
+              <a:buChar char="●"/>
+            </a:pPr>
+            <a:endParaRPr lang="en-US" dirty="0"/>
+          </a:p>
+        </p:txBody>
+      </p:sp>
+      <p:sp>
+        <p:nvSpPr>
+          <p:cNvPr id="5" name="Textfeld 4">
+            <a:extLst>
+              <a:ext uri="{FF2B5EF4-FFF2-40B4-BE49-F238E27FC236}">
+                <a16:creationId xmlns:a16="http://schemas.microsoft.com/office/drawing/2014/main" id="{9D7303CD-763D-2A38-08C3-DB08FCC19A37}"/>
+              </a:ext>
+            </a:extLst>
+          </p:cNvPr>
+          <p:cNvSpPr txBox="1"/>
+          <p:nvPr/>
+        </p:nvSpPr>
+        <p:spPr>
+          <a:xfrm>
+            <a:off x="9372600" y="5243040"/>
+            <a:ext cx="3832559" cy="427320"/>
+          </a:xfrm>
+          <a:prstGeom prst="rect">
+            <a:avLst/>
+          </a:prstGeom>
+          <a:noFill/>
+          <a:ln>
+            <a:noFill/>
+          </a:ln>
+        </p:spPr>
+        <p:txBody>
+          <a:bodyPr vert="horz" wrap="none" lIns="90000" tIns="45000" rIns="90000" bIns="45000" anchorCtr="0" compatLnSpc="0">
+            <a:spAutoFit/>
+          </a:bodyPr>
+          <a:lstStyle/>
+          <a:p>
+            <a:pPr marL="0" marR="0" lvl="0" indent="0" rtl="0" hangingPunct="0">
+              <a:lnSpc>
+                <a:spcPct val="100000"/>
+              </a:lnSpc>
+              <a:spcBef>
+                <a:spcPts val="0"/>
+              </a:spcBef>
+              <a:spcAft>
+                <a:spcPts val="0"/>
+              </a:spcAft>
+              <a:buNone/>
+              <a:tabLst/>
+            </a:pPr>
+            <a:fld id="{91CD7B40-FCA9-49D6-9B53-7164D24F73CB}" type="slidenum">
+              <a:t>9</a:t>
+            </a:fld>
+            <a:endParaRPr lang="en-US" sz="900" b="0" i="0" u="none" strike="noStrike" kern="1200" cap="none">
+              <a:ln>
+                <a:noFill/>
+              </a:ln>
+              <a:latin typeface="Liberation Sans" pitchFamily="18"/>
+              <a:ea typeface="Noto Sans CJK SC" pitchFamily="2"/>
+              <a:cs typeface="Noto Sans Devanagari" pitchFamily="2"/>
+            </a:endParaRPr>
+          </a:p>
+        </p:txBody>
+      </p:sp>
+      <p:pic>
+        <p:nvPicPr>
+          <p:cNvPr id="7" name="Picture 4">
+            <a:extLst>
+              <a:ext uri="{FF2B5EF4-FFF2-40B4-BE49-F238E27FC236}">
+                <a16:creationId xmlns:a16="http://schemas.microsoft.com/office/drawing/2014/main" id="{98158778-783C-D6D4-F6CC-64475DCEF603}"/>
+              </a:ext>
+            </a:extLst>
+          </p:cNvPr>
+          <p:cNvPicPr>
+            <a:picLocks noChangeAspect="1" noChangeArrowheads="1"/>
+          </p:cNvPicPr>
+          <p:nvPr/>
+        </p:nvPicPr>
+        <p:blipFill>
+          <a:blip r:embed="rId4">
+            <a:extLst>
+              <a:ext uri="{28A0092B-C50C-407E-A947-70E740481C1C}">
+                <a14:useLocalDpi xmlns:a14="http://schemas.microsoft.com/office/drawing/2010/main" val="0"/>
+              </a:ext>
+            </a:extLst>
+          </a:blip>
+          <a:srcRect/>
+          <a:stretch>
+            <a:fillRect/>
+          </a:stretch>
+        </p:blipFill>
+        <p:spPr bwMode="auto">
+          <a:xfrm>
+            <a:off x="5716723" y="2503767"/>
+            <a:ext cx="3117440" cy="1616782"/>
+          </a:xfrm>
+          <a:prstGeom prst="rect">
+            <a:avLst/>
+          </a:prstGeom>
+          <a:noFill/>
+          <a:extLst>
+            <a:ext uri="{909E8E84-426E-40DD-AFC4-6F175D3DCCD1}">
+              <a14:hiddenFill xmlns:a14="http://schemas.microsoft.com/office/drawing/2010/main">
+                <a:solidFill>
+                  <a:srgbClr val="FFFFFF"/>
+                </a:solidFill>
+              </a14:hiddenFill>
+            </a:ext>
+          </a:extLst>
+        </p:spPr>
+      </p:pic>
+    </p:spTree>
+    <p:extLst>
+      <p:ext uri="{BB962C8B-B14F-4D97-AF65-F5344CB8AC3E}">
+        <p14:creationId xmlns:p14="http://schemas.microsoft.com/office/powerpoint/2010/main" val="3469260252"/>
       </p:ext>
     </p:extLst>
   </p:cSld>

--- a/Endpräsentation_Fahrrad&Bahn.pptx
+++ b/Endpräsentation_Fahrrad&Bahn.pptx
@@ -5,10 +5,10 @@
     <p:sldMasterId id="2147483648" r:id="rId1"/>
   </p:sldMasterIdLst>
   <p:notesMasterIdLst>
-    <p:notesMasterId r:id="rId12"/>
+    <p:notesMasterId r:id="rId15"/>
   </p:notesMasterIdLst>
   <p:handoutMasterIdLst>
-    <p:handoutMasterId r:id="rId13"/>
+    <p:handoutMasterId r:id="rId16"/>
   </p:handoutMasterIdLst>
   <p:sldIdLst>
     <p:sldId id="256" r:id="rId2"/>
@@ -20,7 +20,10 @@
     <p:sldId id="266" r:id="rId8"/>
     <p:sldId id="268" r:id="rId9"/>
     <p:sldId id="269" r:id="rId10"/>
-    <p:sldId id="265" r:id="rId11"/>
+    <p:sldId id="270" r:id="rId11"/>
+    <p:sldId id="272" r:id="rId12"/>
+    <p:sldId id="271" r:id="rId13"/>
+    <p:sldId id="265" r:id="rId14"/>
   </p:sldIdLst>
   <p:sldSz cx="10080625" cy="5670550"/>
   <p:notesSz cx="7772400" cy="10058400"/>
@@ -942,7 +945,7 @@
           <p:cNvPr id="7" name="Foliennummernplatzhalter 6">
             <a:extLst>
               <a:ext uri="{FF2B5EF4-FFF2-40B4-BE49-F238E27FC236}">
-                <a16:creationId xmlns:a16="http://schemas.microsoft.com/office/drawing/2014/main" id="{1CEB22F6-6FC0-4703-C5F8-4060D9B4E05E}"/>
+                <a16:creationId xmlns:a16="http://schemas.microsoft.com/office/drawing/2014/main" id="{AC16108E-DA2B-C27E-762D-E1F8E7726D89}"/>
               </a:ext>
             </a:extLst>
           </p:cNvPr>
@@ -963,8 +966,404 @@
           <a:lstStyle/>
           <a:p>
             <a:pPr lvl="0"/>
+            <a:fld id="{7CCB2715-0F7B-42B3-B01B-0D912C77FCD2}" type="slidenum">
+              <a:t>10</a:t>
+            </a:fld>
+            <a:endParaRPr lang="en-US"/>
+          </a:p>
+        </p:txBody>
+      </p:sp>
+      <p:sp>
+        <p:nvSpPr>
+          <p:cNvPr id="2" name="Folienbildplatzhalter 1">
+            <a:extLst>
+              <a:ext uri="{FF2B5EF4-FFF2-40B4-BE49-F238E27FC236}">
+                <a16:creationId xmlns:a16="http://schemas.microsoft.com/office/drawing/2014/main" id="{8B37FEB9-BCE0-8B44-D008-929BEEE7D995}"/>
+              </a:ext>
+            </a:extLst>
+          </p:cNvPr>
+          <p:cNvSpPr>
+            <a:spLocks noGrp="1" noRot="1" noChangeAspect="1" noResize="1"/>
+          </p:cNvSpPr>
+          <p:nvPr>
+            <p:ph type="sldImg"/>
+          </p:nvPr>
+        </p:nvSpPr>
+        <p:spPr>
+          <a:xfrm>
+            <a:off x="533400" y="763588"/>
+            <a:ext cx="6704013" cy="3771900"/>
+          </a:xfrm>
+          <a:solidFill>
+            <a:srgbClr val="729FCF"/>
+          </a:solidFill>
+          <a:ln w="25400">
+            <a:solidFill>
+              <a:srgbClr val="3465A4"/>
+            </a:solidFill>
+            <a:prstDash val="solid"/>
+          </a:ln>
+        </p:spPr>
+      </p:sp>
+      <p:sp>
+        <p:nvSpPr>
+          <p:cNvPr id="3" name="Notizenplatzhalter 2">
+            <a:extLst>
+              <a:ext uri="{FF2B5EF4-FFF2-40B4-BE49-F238E27FC236}">
+                <a16:creationId xmlns:a16="http://schemas.microsoft.com/office/drawing/2014/main" id="{BAEAA13F-A8E1-F009-A9B6-1F484BB4BD8B}"/>
+              </a:ext>
+            </a:extLst>
+          </p:cNvPr>
+          <p:cNvSpPr txBox="1">
+            <a:spLocks noGrp="1"/>
+          </p:cNvSpPr>
+          <p:nvPr>
+            <p:ph type="body" sz="quarter" idx="1"/>
+          </p:nvPr>
+        </p:nvSpPr>
+        <p:spPr/>
+        <p:txBody>
+          <a:bodyPr vert="horz"/>
+          <a:lstStyle/>
+          <a:p>
+            <a:r>
+              <a:rPr lang="de-DE" dirty="0"/>
+              <a:t>Was ist Opinion Mining/</a:t>
+            </a:r>
+            <a:r>
+              <a:rPr lang="de-DE" dirty="0" err="1"/>
+              <a:t>Sentimentanalyse</a:t>
+            </a:r>
+            <a:r>
+              <a:rPr lang="de-DE" dirty="0"/>
+              <a:t>: versucht, Meinungsäußerungen (Information) in Newsgroups und Foren (Sprachdaten) automatisch zu erkennen und zu klassifizieren und damit letztlich Wissen über Meinung zu extrahieren.</a:t>
+            </a:r>
+            <a:endParaRPr lang="en-US" dirty="0"/>
+          </a:p>
+        </p:txBody>
+      </p:sp>
+    </p:spTree>
+    <p:extLst>
+      <p:ext uri="{BB962C8B-B14F-4D97-AF65-F5344CB8AC3E}">
+        <p14:creationId xmlns:p14="http://schemas.microsoft.com/office/powerpoint/2010/main" val="1168117741"/>
+      </p:ext>
+    </p:extLst>
+  </p:cSld>
+  <p:clrMapOvr>
+    <a:masterClrMapping/>
+  </p:clrMapOvr>
+</p:notes>
+</file>
+
+<file path=ppt/notesSlides/notesSlide11.xml><?xml version="1.0" encoding="utf-8"?>
+<p:notes xmlns:a="http://schemas.openxmlformats.org/drawingml/2006/main" xmlns:r="http://schemas.openxmlformats.org/officeDocument/2006/relationships" xmlns:p="http://schemas.openxmlformats.org/presentationml/2006/main">
+  <p:cSld>
+    <p:spTree>
+      <p:nvGrpSpPr>
+        <p:cNvPr id="1" name=""/>
+        <p:cNvGrpSpPr/>
+        <p:nvPr/>
+      </p:nvGrpSpPr>
+      <p:grpSpPr>
+        <a:xfrm>
+          <a:off x="0" y="0"/>
+          <a:ext cx="0" cy="0"/>
+          <a:chOff x="0" y="0"/>
+          <a:chExt cx="0" cy="0"/>
+        </a:xfrm>
+      </p:grpSpPr>
+      <p:sp>
+        <p:nvSpPr>
+          <p:cNvPr id="7" name="Foliennummernplatzhalter 6">
+            <a:extLst>
+              <a:ext uri="{FF2B5EF4-FFF2-40B4-BE49-F238E27FC236}">
+                <a16:creationId xmlns:a16="http://schemas.microsoft.com/office/drawing/2014/main" id="{AC16108E-DA2B-C27E-762D-E1F8E7726D89}"/>
+              </a:ext>
+            </a:extLst>
+          </p:cNvPr>
+          <p:cNvSpPr txBox="1">
+            <a:spLocks noGrp="1"/>
+          </p:cNvSpPr>
+          <p:nvPr>
+            <p:ph type="sldNum" sz="quarter" idx="5"/>
+          </p:nvPr>
+        </p:nvSpPr>
+        <p:spPr>
+          <a:ln/>
+        </p:spPr>
+        <p:txBody>
+          <a:bodyPr vert="horz" lIns="0" tIns="0" rIns="0" bIns="0" anchor="b" anchorCtr="0">
+            <a:noAutofit/>
+          </a:bodyPr>
+          <a:lstStyle/>
+          <a:p>
+            <a:pPr lvl="0"/>
+            <a:fld id="{7CCB2715-0F7B-42B3-B01B-0D912C77FCD2}" type="slidenum">
+              <a:t>11</a:t>
+            </a:fld>
+            <a:endParaRPr lang="en-US"/>
+          </a:p>
+        </p:txBody>
+      </p:sp>
+      <p:sp>
+        <p:nvSpPr>
+          <p:cNvPr id="2" name="Folienbildplatzhalter 1">
+            <a:extLst>
+              <a:ext uri="{FF2B5EF4-FFF2-40B4-BE49-F238E27FC236}">
+                <a16:creationId xmlns:a16="http://schemas.microsoft.com/office/drawing/2014/main" id="{8B37FEB9-BCE0-8B44-D008-929BEEE7D995}"/>
+              </a:ext>
+            </a:extLst>
+          </p:cNvPr>
+          <p:cNvSpPr>
+            <a:spLocks noGrp="1" noRot="1" noChangeAspect="1" noResize="1"/>
+          </p:cNvSpPr>
+          <p:nvPr>
+            <p:ph type="sldImg"/>
+          </p:nvPr>
+        </p:nvSpPr>
+        <p:spPr>
+          <a:xfrm>
+            <a:off x="533400" y="763588"/>
+            <a:ext cx="6704013" cy="3771900"/>
+          </a:xfrm>
+          <a:solidFill>
+            <a:srgbClr val="729FCF"/>
+          </a:solidFill>
+          <a:ln w="25400">
+            <a:solidFill>
+              <a:srgbClr val="3465A4"/>
+            </a:solidFill>
+            <a:prstDash val="solid"/>
+          </a:ln>
+        </p:spPr>
+      </p:sp>
+      <p:sp>
+        <p:nvSpPr>
+          <p:cNvPr id="3" name="Notizenplatzhalter 2">
+            <a:extLst>
+              <a:ext uri="{FF2B5EF4-FFF2-40B4-BE49-F238E27FC236}">
+                <a16:creationId xmlns:a16="http://schemas.microsoft.com/office/drawing/2014/main" id="{BAEAA13F-A8E1-F009-A9B6-1F484BB4BD8B}"/>
+              </a:ext>
+            </a:extLst>
+          </p:cNvPr>
+          <p:cNvSpPr txBox="1">
+            <a:spLocks noGrp="1"/>
+          </p:cNvSpPr>
+          <p:nvPr>
+            <p:ph type="body" sz="quarter" idx="1"/>
+          </p:nvPr>
+        </p:nvSpPr>
+        <p:spPr/>
+        <p:txBody>
+          <a:bodyPr vert="horz"/>
+          <a:lstStyle/>
+          <a:p>
+            <a:r>
+              <a:rPr lang="de-DE" dirty="0"/>
+              <a:t>Was ist Opinion Mining/</a:t>
+            </a:r>
+            <a:r>
+              <a:rPr lang="de-DE" dirty="0" err="1"/>
+              <a:t>Sentimentanalyse</a:t>
+            </a:r>
+            <a:r>
+              <a:rPr lang="de-DE" dirty="0"/>
+              <a:t>: versucht, Meinungsäußerungen (Information) in Newsgroups und Foren (Sprachdaten) automatisch zu erkennen und zu klassifizieren und damit letztlich Wissen über Meinung zu extrahieren.</a:t>
+            </a:r>
+            <a:endParaRPr lang="en-US" dirty="0"/>
+          </a:p>
+        </p:txBody>
+      </p:sp>
+    </p:spTree>
+    <p:extLst>
+      <p:ext uri="{BB962C8B-B14F-4D97-AF65-F5344CB8AC3E}">
+        <p14:creationId xmlns:p14="http://schemas.microsoft.com/office/powerpoint/2010/main" val="742925278"/>
+      </p:ext>
+    </p:extLst>
+  </p:cSld>
+  <p:clrMapOvr>
+    <a:masterClrMapping/>
+  </p:clrMapOvr>
+</p:notes>
+</file>
+
+<file path=ppt/notesSlides/notesSlide12.xml><?xml version="1.0" encoding="utf-8"?>
+<p:notes xmlns:a="http://schemas.openxmlformats.org/drawingml/2006/main" xmlns:r="http://schemas.openxmlformats.org/officeDocument/2006/relationships" xmlns:p="http://schemas.openxmlformats.org/presentationml/2006/main">
+  <p:cSld>
+    <p:spTree>
+      <p:nvGrpSpPr>
+        <p:cNvPr id="1" name=""/>
+        <p:cNvGrpSpPr/>
+        <p:nvPr/>
+      </p:nvGrpSpPr>
+      <p:grpSpPr>
+        <a:xfrm>
+          <a:off x="0" y="0"/>
+          <a:ext cx="0" cy="0"/>
+          <a:chOff x="0" y="0"/>
+          <a:chExt cx="0" cy="0"/>
+        </a:xfrm>
+      </p:grpSpPr>
+      <p:sp>
+        <p:nvSpPr>
+          <p:cNvPr id="7" name="Foliennummernplatzhalter 6">
+            <a:extLst>
+              <a:ext uri="{FF2B5EF4-FFF2-40B4-BE49-F238E27FC236}">
+                <a16:creationId xmlns:a16="http://schemas.microsoft.com/office/drawing/2014/main" id="{AC16108E-DA2B-C27E-762D-E1F8E7726D89}"/>
+              </a:ext>
+            </a:extLst>
+          </p:cNvPr>
+          <p:cNvSpPr txBox="1">
+            <a:spLocks noGrp="1"/>
+          </p:cNvSpPr>
+          <p:nvPr>
+            <p:ph type="sldNum" sz="quarter" idx="5"/>
+          </p:nvPr>
+        </p:nvSpPr>
+        <p:spPr>
+          <a:ln/>
+        </p:spPr>
+        <p:txBody>
+          <a:bodyPr vert="horz" lIns="0" tIns="0" rIns="0" bIns="0" anchor="b" anchorCtr="0">
+            <a:noAutofit/>
+          </a:bodyPr>
+          <a:lstStyle/>
+          <a:p>
+            <a:pPr lvl="0"/>
+            <a:fld id="{7CCB2715-0F7B-42B3-B01B-0D912C77FCD2}" type="slidenum">
+              <a:t>12</a:t>
+            </a:fld>
+            <a:endParaRPr lang="en-US"/>
+          </a:p>
+        </p:txBody>
+      </p:sp>
+      <p:sp>
+        <p:nvSpPr>
+          <p:cNvPr id="2" name="Folienbildplatzhalter 1">
+            <a:extLst>
+              <a:ext uri="{FF2B5EF4-FFF2-40B4-BE49-F238E27FC236}">
+                <a16:creationId xmlns:a16="http://schemas.microsoft.com/office/drawing/2014/main" id="{8B37FEB9-BCE0-8B44-D008-929BEEE7D995}"/>
+              </a:ext>
+            </a:extLst>
+          </p:cNvPr>
+          <p:cNvSpPr>
+            <a:spLocks noGrp="1" noRot="1" noChangeAspect="1" noResize="1"/>
+          </p:cNvSpPr>
+          <p:nvPr>
+            <p:ph type="sldImg"/>
+          </p:nvPr>
+        </p:nvSpPr>
+        <p:spPr>
+          <a:xfrm>
+            <a:off x="533400" y="763588"/>
+            <a:ext cx="6704013" cy="3771900"/>
+          </a:xfrm>
+          <a:solidFill>
+            <a:srgbClr val="729FCF"/>
+          </a:solidFill>
+          <a:ln w="25400">
+            <a:solidFill>
+              <a:srgbClr val="3465A4"/>
+            </a:solidFill>
+            <a:prstDash val="solid"/>
+          </a:ln>
+        </p:spPr>
+      </p:sp>
+      <p:sp>
+        <p:nvSpPr>
+          <p:cNvPr id="3" name="Notizenplatzhalter 2">
+            <a:extLst>
+              <a:ext uri="{FF2B5EF4-FFF2-40B4-BE49-F238E27FC236}">
+                <a16:creationId xmlns:a16="http://schemas.microsoft.com/office/drawing/2014/main" id="{BAEAA13F-A8E1-F009-A9B6-1F484BB4BD8B}"/>
+              </a:ext>
+            </a:extLst>
+          </p:cNvPr>
+          <p:cNvSpPr txBox="1">
+            <a:spLocks noGrp="1"/>
+          </p:cNvSpPr>
+          <p:nvPr>
+            <p:ph type="body" sz="quarter" idx="1"/>
+          </p:nvPr>
+        </p:nvSpPr>
+        <p:spPr/>
+        <p:txBody>
+          <a:bodyPr vert="horz"/>
+          <a:lstStyle/>
+          <a:p>
+            <a:r>
+              <a:rPr lang="de-DE" dirty="0"/>
+              <a:t>Was ist Opinion Mining/</a:t>
+            </a:r>
+            <a:r>
+              <a:rPr lang="de-DE" dirty="0" err="1"/>
+              <a:t>Sentimentanalyse</a:t>
+            </a:r>
+            <a:r>
+              <a:rPr lang="de-DE" dirty="0"/>
+              <a:t>: versucht, Meinungsäußerungen (Information) in Newsgroups und Foren (Sprachdaten) automatisch zu erkennen und zu klassifizieren und damit letztlich Wissen über Meinung zu extrahieren.</a:t>
+            </a:r>
+            <a:endParaRPr lang="en-US" dirty="0"/>
+          </a:p>
+        </p:txBody>
+      </p:sp>
+    </p:spTree>
+    <p:extLst>
+      <p:ext uri="{BB962C8B-B14F-4D97-AF65-F5344CB8AC3E}">
+        <p14:creationId xmlns:p14="http://schemas.microsoft.com/office/powerpoint/2010/main" val="1543284665"/>
+      </p:ext>
+    </p:extLst>
+  </p:cSld>
+  <p:clrMapOvr>
+    <a:masterClrMapping/>
+  </p:clrMapOvr>
+</p:notes>
+</file>
+
+<file path=ppt/notesSlides/notesSlide13.xml><?xml version="1.0" encoding="utf-8"?>
+<p:notes xmlns:a="http://schemas.openxmlformats.org/drawingml/2006/main" xmlns:r="http://schemas.openxmlformats.org/officeDocument/2006/relationships" xmlns:p="http://schemas.openxmlformats.org/presentationml/2006/main">
+  <p:cSld>
+    <p:spTree>
+      <p:nvGrpSpPr>
+        <p:cNvPr id="1" name=""/>
+        <p:cNvGrpSpPr/>
+        <p:nvPr/>
+      </p:nvGrpSpPr>
+      <p:grpSpPr>
+        <a:xfrm>
+          <a:off x="0" y="0"/>
+          <a:ext cx="0" cy="0"/>
+          <a:chOff x="0" y="0"/>
+          <a:chExt cx="0" cy="0"/>
+        </a:xfrm>
+      </p:grpSpPr>
+      <p:sp>
+        <p:nvSpPr>
+          <p:cNvPr id="7" name="Foliennummernplatzhalter 6">
+            <a:extLst>
+              <a:ext uri="{FF2B5EF4-FFF2-40B4-BE49-F238E27FC236}">
+                <a16:creationId xmlns:a16="http://schemas.microsoft.com/office/drawing/2014/main" id="{1CEB22F6-6FC0-4703-C5F8-4060D9B4E05E}"/>
+              </a:ext>
+            </a:extLst>
+          </p:cNvPr>
+          <p:cNvSpPr txBox="1">
+            <a:spLocks noGrp="1"/>
+          </p:cNvSpPr>
+          <p:nvPr>
+            <p:ph type="sldNum" sz="quarter" idx="5"/>
+          </p:nvPr>
+        </p:nvSpPr>
+        <p:spPr>
+          <a:ln/>
+        </p:spPr>
+        <p:txBody>
+          <a:bodyPr vert="horz" lIns="0" tIns="0" rIns="0" bIns="0" anchor="b" anchorCtr="0">
+            <a:noAutofit/>
+          </a:bodyPr>
+          <a:lstStyle/>
+          <a:p>
+            <a:pPr lvl="0"/>
             <a:fld id="{1818A09D-4547-4D95-8B6D-26F688765CCC}" type="slidenum">
-              <a:t>10</a:t>
+              <a:t>13</a:t>
             </a:fld>
             <a:endParaRPr lang="en-US"/>
           </a:p>
@@ -1373,7 +1772,15 @@
           <a:bodyPr vert="horz"/>
           <a:lstStyle/>
           <a:p>
-            <a:endParaRPr lang="en-US"/>
+            <a:r>
+              <a:rPr lang="en-US" dirty="0"/>
+              <a:t>6 % 9€ Ticket </a:t>
+            </a:r>
+            <a:r>
+              <a:rPr lang="en-US" dirty="0" err="1"/>
+              <a:t>Datenset</a:t>
+            </a:r>
+            <a:endParaRPr lang="en-US" dirty="0"/>
           </a:p>
         </p:txBody>
       </p:sp>
@@ -2017,18 +2424,6 @@
           <a:bodyPr vert="horz"/>
           <a:lstStyle/>
           <a:p>
-            <a:r>
-              <a:rPr lang="de-DE" dirty="0"/>
-              <a:t>Was ist Opinion Mining/</a:t>
-            </a:r>
-            <a:r>
-              <a:rPr lang="de-DE" dirty="0" err="1"/>
-              <a:t>Sentimentanalyse</a:t>
-            </a:r>
-            <a:r>
-              <a:rPr lang="de-DE" dirty="0"/>
-              <a:t>: versucht, Meinungsäußerungen (Information) in Newsgroups und Foren (Sprachdaten) automatisch zu erkennen und zu klassifizieren und damit letztlich Wissen über Meinung zu extrahieren.</a:t>
-            </a:r>
             <a:endParaRPr lang="en-US" dirty="0"/>
           </a:p>
         </p:txBody>
@@ -5634,35 +6029,6 @@
           </a:p>
         </p:txBody>
       </p:sp>
-      <p:sp>
-        <p:nvSpPr>
-          <p:cNvPr id="8" name="Fußzeilenplatzhalter 7">
-            <a:extLst>
-              <a:ext uri="{FF2B5EF4-FFF2-40B4-BE49-F238E27FC236}">
-                <a16:creationId xmlns:a16="http://schemas.microsoft.com/office/drawing/2014/main" id="{E5559A75-CD70-AC5F-3765-41CDED81A37F}"/>
-              </a:ext>
-            </a:extLst>
-          </p:cNvPr>
-          <p:cNvSpPr>
-            <a:spLocks noGrp="1"/>
-          </p:cNvSpPr>
-          <p:nvPr>
-            <p:ph type="ftr" sz="quarter" idx="11"/>
-          </p:nvPr>
-        </p:nvSpPr>
-        <p:spPr/>
-        <p:txBody>
-          <a:bodyPr/>
-          <a:lstStyle/>
-          <a:p>
-            <a:pPr lvl="0"/>
-            <a:r>
-              <a:rPr lang="en-US"/>
-              <a:t>Quelle: 1</a:t>
-            </a:r>
-          </a:p>
-        </p:txBody>
-      </p:sp>
     </p:spTree>
   </p:cSld>
   <p:clrMapOvr>
@@ -5688,6 +6054,1129 @@
           <a:chExt cx="0" cy="0"/>
         </a:xfrm>
       </p:grpSpPr>
+      <p:pic>
+        <p:nvPicPr>
+          <p:cNvPr id="2" name="Grafik 1">
+            <a:extLst>
+              <a:ext uri="{FF2B5EF4-FFF2-40B4-BE49-F238E27FC236}">
+                <a16:creationId xmlns:a16="http://schemas.microsoft.com/office/drawing/2014/main" id="{8CBD471B-197A-9CA6-6800-C59C2AB503EB}"/>
+              </a:ext>
+            </a:extLst>
+          </p:cNvPr>
+          <p:cNvPicPr>
+            <a:picLocks noChangeAspect="1"/>
+          </p:cNvPicPr>
+          <p:nvPr/>
+        </p:nvPicPr>
+        <p:blipFill>
+          <a:blip r:embed="rId3">
+            <a:lum/>
+            <a:alphaModFix amt="10000"/>
+          </a:blip>
+          <a:srcRect/>
+          <a:stretch>
+            <a:fillRect/>
+          </a:stretch>
+        </p:blipFill>
+        <p:spPr>
+          <a:xfrm>
+            <a:off x="-20880" y="0"/>
+            <a:ext cx="10079280" cy="5669640"/>
+          </a:xfrm>
+          <a:prstGeom prst="rect">
+            <a:avLst/>
+          </a:prstGeom>
+          <a:noFill/>
+          <a:ln>
+            <a:noFill/>
+          </a:ln>
+        </p:spPr>
+      </p:pic>
+      <p:sp>
+        <p:nvSpPr>
+          <p:cNvPr id="3" name="Titel 2">
+            <a:extLst>
+              <a:ext uri="{FF2B5EF4-FFF2-40B4-BE49-F238E27FC236}">
+                <a16:creationId xmlns:a16="http://schemas.microsoft.com/office/drawing/2014/main" id="{5F129FD0-72FC-E004-53A8-F9619362310F}"/>
+              </a:ext>
+            </a:extLst>
+          </p:cNvPr>
+          <p:cNvSpPr txBox="1">
+            <a:spLocks noGrp="1"/>
+          </p:cNvSpPr>
+          <p:nvPr>
+            <p:ph type="title" idx="4294967295"/>
+          </p:nvPr>
+        </p:nvSpPr>
+        <p:spPr>
+          <a:xfrm>
+            <a:off x="503999" y="273240"/>
+            <a:ext cx="9071640" cy="946440"/>
+          </a:xfrm>
+        </p:spPr>
+        <p:txBody>
+          <a:bodyPr vert="horz"/>
+          <a:lstStyle/>
+          <a:p>
+            <a:pPr lvl="0"/>
+            <a:r>
+              <a:rPr lang="en-US" dirty="0" err="1"/>
+              <a:t>Beispiel</a:t>
+            </a:r>
+            <a:r>
+              <a:rPr lang="en-US" dirty="0"/>
+              <a:t>-Tweet</a:t>
+            </a:r>
+          </a:p>
+        </p:txBody>
+      </p:sp>
+      <p:sp>
+        <p:nvSpPr>
+          <p:cNvPr id="4" name="Textplatzhalter 3">
+            <a:extLst>
+              <a:ext uri="{FF2B5EF4-FFF2-40B4-BE49-F238E27FC236}">
+                <a16:creationId xmlns:a16="http://schemas.microsoft.com/office/drawing/2014/main" id="{BE7B3F62-582B-123D-2ECE-29BF697C0566}"/>
+              </a:ext>
+            </a:extLst>
+          </p:cNvPr>
+          <p:cNvSpPr txBox="1">
+            <a:spLocks noGrp="1"/>
+          </p:cNvSpPr>
+          <p:nvPr>
+            <p:ph type="body" idx="4294967295"/>
+          </p:nvPr>
+        </p:nvSpPr>
+        <p:spPr>
+          <a:xfrm>
+            <a:off x="503999" y="1494502"/>
+            <a:ext cx="3455883" cy="3288239"/>
+          </a:xfrm>
+        </p:spPr>
+        <p:txBody>
+          <a:bodyPr vert="horz"/>
+          <a:lstStyle/>
+          <a:p>
+            <a:pPr lvl="0">
+              <a:buSzPct val="45000"/>
+              <a:buFont typeface="StarSymbol"/>
+              <a:buChar char="●"/>
+            </a:pPr>
+            <a:r>
+              <a:rPr lang="de-DE" sz="2400" dirty="0"/>
+              <a:t>Platzmangel bei Fahrradmitnahme</a:t>
+            </a:r>
+          </a:p>
+          <a:p>
+            <a:pPr lvl="0">
+              <a:buSzPct val="45000"/>
+              <a:buFont typeface="StarSymbol"/>
+              <a:buChar char="●"/>
+            </a:pPr>
+            <a:r>
+              <a:rPr lang="de-DE" sz="2400" dirty="0"/>
+              <a:t>Idee einer Echtzeitanalyse</a:t>
+            </a:r>
+          </a:p>
+          <a:p>
+            <a:pPr lvl="0">
+              <a:buSzPct val="45000"/>
+              <a:buFont typeface="StarSymbol"/>
+              <a:buChar char="●"/>
+            </a:pPr>
+            <a:endParaRPr lang="en-US" dirty="0"/>
+          </a:p>
+          <a:p>
+            <a:pPr lvl="1">
+              <a:buSzPct val="45000"/>
+              <a:buFont typeface="StarSymbol"/>
+              <a:buChar char="●"/>
+            </a:pPr>
+            <a:endParaRPr lang="en-US" dirty="0"/>
+          </a:p>
+        </p:txBody>
+      </p:sp>
+      <p:sp>
+        <p:nvSpPr>
+          <p:cNvPr id="5" name="Textfeld 4">
+            <a:extLst>
+              <a:ext uri="{FF2B5EF4-FFF2-40B4-BE49-F238E27FC236}">
+                <a16:creationId xmlns:a16="http://schemas.microsoft.com/office/drawing/2014/main" id="{9D7303CD-763D-2A38-08C3-DB08FCC19A37}"/>
+              </a:ext>
+            </a:extLst>
+          </p:cNvPr>
+          <p:cNvSpPr txBox="1"/>
+          <p:nvPr/>
+        </p:nvSpPr>
+        <p:spPr>
+          <a:xfrm>
+            <a:off x="9372600" y="5243040"/>
+            <a:ext cx="3832559" cy="427320"/>
+          </a:xfrm>
+          <a:prstGeom prst="rect">
+            <a:avLst/>
+          </a:prstGeom>
+          <a:noFill/>
+          <a:ln>
+            <a:noFill/>
+          </a:ln>
+        </p:spPr>
+        <p:txBody>
+          <a:bodyPr vert="horz" wrap="none" lIns="90000" tIns="45000" rIns="90000" bIns="45000" anchorCtr="0" compatLnSpc="0">
+            <a:spAutoFit/>
+          </a:bodyPr>
+          <a:lstStyle/>
+          <a:p>
+            <a:pPr marL="0" marR="0" lvl="0" indent="0" rtl="0" hangingPunct="0">
+              <a:lnSpc>
+                <a:spcPct val="100000"/>
+              </a:lnSpc>
+              <a:spcBef>
+                <a:spcPts val="0"/>
+              </a:spcBef>
+              <a:spcAft>
+                <a:spcPts val="0"/>
+              </a:spcAft>
+              <a:buNone/>
+              <a:tabLst/>
+            </a:pPr>
+            <a:fld id="{91CD7B40-FCA9-49D6-9B53-7164D24F73CB}" type="slidenum">
+              <a:t>10</a:t>
+            </a:fld>
+            <a:endParaRPr lang="en-US" sz="900" b="0" i="0" u="none" strike="noStrike" kern="1200" cap="none">
+              <a:ln>
+                <a:noFill/>
+              </a:ln>
+              <a:latin typeface="Liberation Sans" pitchFamily="18"/>
+              <a:ea typeface="Noto Sans CJK SC" pitchFamily="2"/>
+              <a:cs typeface="Noto Sans Devanagari" pitchFamily="2"/>
+            </a:endParaRPr>
+          </a:p>
+        </p:txBody>
+      </p:sp>
+      <p:pic>
+        <p:nvPicPr>
+          <p:cNvPr id="7" name="Grafik 6">
+            <a:extLst>
+              <a:ext uri="{FF2B5EF4-FFF2-40B4-BE49-F238E27FC236}">
+                <a16:creationId xmlns:a16="http://schemas.microsoft.com/office/drawing/2014/main" id="{66902B79-CBF3-E8DA-47F9-E1422256EE88}"/>
+              </a:ext>
+            </a:extLst>
+          </p:cNvPr>
+          <p:cNvPicPr>
+            <a:picLocks noChangeAspect="1"/>
+          </p:cNvPicPr>
+          <p:nvPr/>
+        </p:nvPicPr>
+        <p:blipFill>
+          <a:blip r:embed="rId4">
+            <a:extLst>
+              <a:ext uri="{28A0092B-C50C-407E-A947-70E740481C1C}">
+                <a14:useLocalDpi xmlns:a14="http://schemas.microsoft.com/office/drawing/2010/main" val="0"/>
+              </a:ext>
+            </a:extLst>
+          </a:blip>
+          <a:stretch>
+            <a:fillRect/>
+          </a:stretch>
+        </p:blipFill>
+        <p:spPr>
+          <a:xfrm>
+            <a:off x="3857782" y="1463500"/>
+            <a:ext cx="5288108" cy="3319241"/>
+          </a:xfrm>
+          <a:prstGeom prst="rect">
+            <a:avLst/>
+          </a:prstGeom>
+          <a:effectLst/>
+        </p:spPr>
+      </p:pic>
+    </p:spTree>
+    <p:extLst>
+      <p:ext uri="{BB962C8B-B14F-4D97-AF65-F5344CB8AC3E}">
+        <p14:creationId xmlns:p14="http://schemas.microsoft.com/office/powerpoint/2010/main" val="3281617493"/>
+      </p:ext>
+    </p:extLst>
+  </p:cSld>
+  <p:clrMapOvr>
+    <a:masterClrMapping/>
+  </p:clrMapOvr>
+</p:sld>
+</file>
+
+<file path=ppt/slides/slide11.xml><?xml version="1.0" encoding="utf-8"?>
+<p:sld xmlns:a="http://schemas.openxmlformats.org/drawingml/2006/main" xmlns:r="http://schemas.openxmlformats.org/officeDocument/2006/relationships" xmlns:p="http://schemas.openxmlformats.org/presentationml/2006/main">
+  <p:cSld>
+    <p:spTree>
+      <p:nvGrpSpPr>
+        <p:cNvPr id="1" name=""/>
+        <p:cNvGrpSpPr/>
+        <p:nvPr/>
+      </p:nvGrpSpPr>
+      <p:grpSpPr>
+        <a:xfrm>
+          <a:off x="0" y="0"/>
+          <a:ext cx="0" cy="0"/>
+          <a:chOff x="0" y="0"/>
+          <a:chExt cx="0" cy="0"/>
+        </a:xfrm>
+      </p:grpSpPr>
+      <p:pic>
+        <p:nvPicPr>
+          <p:cNvPr id="2" name="Grafik 1">
+            <a:extLst>
+              <a:ext uri="{FF2B5EF4-FFF2-40B4-BE49-F238E27FC236}">
+                <a16:creationId xmlns:a16="http://schemas.microsoft.com/office/drawing/2014/main" id="{8CBD471B-197A-9CA6-6800-C59C2AB503EB}"/>
+              </a:ext>
+            </a:extLst>
+          </p:cNvPr>
+          <p:cNvPicPr>
+            <a:picLocks noChangeAspect="1"/>
+          </p:cNvPicPr>
+          <p:nvPr/>
+        </p:nvPicPr>
+        <p:blipFill>
+          <a:blip r:embed="rId3">
+            <a:lum/>
+            <a:alphaModFix amt="10000"/>
+          </a:blip>
+          <a:srcRect/>
+          <a:stretch>
+            <a:fillRect/>
+          </a:stretch>
+        </p:blipFill>
+        <p:spPr>
+          <a:xfrm>
+            <a:off x="-20881" y="0"/>
+            <a:ext cx="10079280" cy="5669640"/>
+          </a:xfrm>
+          <a:prstGeom prst="rect">
+            <a:avLst/>
+          </a:prstGeom>
+          <a:noFill/>
+          <a:ln>
+            <a:noFill/>
+          </a:ln>
+        </p:spPr>
+      </p:pic>
+      <p:sp>
+        <p:nvSpPr>
+          <p:cNvPr id="3" name="Titel 2">
+            <a:extLst>
+              <a:ext uri="{FF2B5EF4-FFF2-40B4-BE49-F238E27FC236}">
+                <a16:creationId xmlns:a16="http://schemas.microsoft.com/office/drawing/2014/main" id="{5F129FD0-72FC-E004-53A8-F9619362310F}"/>
+              </a:ext>
+            </a:extLst>
+          </p:cNvPr>
+          <p:cNvSpPr txBox="1">
+            <a:spLocks noGrp="1"/>
+          </p:cNvSpPr>
+          <p:nvPr>
+            <p:ph type="title" idx="4294967295"/>
+          </p:nvPr>
+        </p:nvSpPr>
+        <p:spPr>
+          <a:xfrm>
+            <a:off x="503999" y="273240"/>
+            <a:ext cx="9071640" cy="946440"/>
+          </a:xfrm>
+        </p:spPr>
+        <p:txBody>
+          <a:bodyPr vert="horz"/>
+          <a:lstStyle/>
+          <a:p>
+            <a:pPr lvl="0"/>
+            <a:r>
+              <a:rPr lang="en-US" dirty="0" err="1"/>
+              <a:t>Ergebnisse</a:t>
+            </a:r>
+            <a:endParaRPr lang="en-US" dirty="0"/>
+          </a:p>
+        </p:txBody>
+      </p:sp>
+      <p:sp>
+        <p:nvSpPr>
+          <p:cNvPr id="4" name="Textplatzhalter 3">
+            <a:extLst>
+              <a:ext uri="{FF2B5EF4-FFF2-40B4-BE49-F238E27FC236}">
+                <a16:creationId xmlns:a16="http://schemas.microsoft.com/office/drawing/2014/main" id="{BE7B3F62-582B-123D-2ECE-29BF697C0566}"/>
+              </a:ext>
+            </a:extLst>
+          </p:cNvPr>
+          <p:cNvSpPr txBox="1">
+            <a:spLocks noGrp="1"/>
+          </p:cNvSpPr>
+          <p:nvPr>
+            <p:ph type="body" idx="4294967295"/>
+          </p:nvPr>
+        </p:nvSpPr>
+        <p:spPr>
+          <a:xfrm>
+            <a:off x="503998" y="1326599"/>
+            <a:ext cx="9554401" cy="3857519"/>
+          </a:xfrm>
+        </p:spPr>
+        <p:txBody>
+          <a:bodyPr vert="horz">
+            <a:normAutofit fontScale="85000" lnSpcReduction="20000"/>
+          </a:bodyPr>
+          <a:lstStyle/>
+          <a:p>
+            <a:pPr lvl="1">
+              <a:buSzPct val="45000"/>
+              <a:buFont typeface="StarSymbol"/>
+              <a:buChar char="●"/>
+            </a:pPr>
+            <a:r>
+              <a:rPr lang="en-US" dirty="0" err="1"/>
+              <a:t>Generelles</a:t>
+            </a:r>
+            <a:r>
+              <a:rPr lang="en-US" dirty="0"/>
+              <a:t> </a:t>
+            </a:r>
+            <a:r>
+              <a:rPr lang="en-US" dirty="0" err="1"/>
+              <a:t>Stimmungsbild</a:t>
+            </a:r>
+            <a:r>
+              <a:rPr lang="en-US" dirty="0"/>
+              <a:t> für den </a:t>
+            </a:r>
+            <a:r>
+              <a:rPr lang="en-US" dirty="0" err="1"/>
+              <a:t>Kontext</a:t>
+            </a:r>
+            <a:r>
+              <a:rPr lang="en-US" dirty="0"/>
+              <a:t> </a:t>
+            </a:r>
+            <a:r>
+              <a:rPr lang="en-US" dirty="0" err="1"/>
+              <a:t>Fahrrad</a:t>
+            </a:r>
+            <a:r>
+              <a:rPr lang="en-US" dirty="0"/>
+              <a:t> &amp; Bahn</a:t>
+            </a:r>
+          </a:p>
+          <a:p>
+            <a:pPr lvl="2">
+              <a:buSzPct val="45000"/>
+              <a:buFont typeface="StarSymbol"/>
+              <a:buChar char="●"/>
+            </a:pPr>
+            <a:r>
+              <a:rPr lang="en-US" dirty="0"/>
+              <a:t>neutral, </a:t>
+            </a:r>
+            <a:r>
+              <a:rPr lang="en-US" dirty="0" err="1"/>
+              <a:t>etwas</a:t>
+            </a:r>
+            <a:r>
+              <a:rPr lang="en-US" dirty="0"/>
+              <a:t> </a:t>
+            </a:r>
+            <a:r>
+              <a:rPr lang="en-US" dirty="0" err="1"/>
+              <a:t>negativ</a:t>
+            </a:r>
+            <a:r>
+              <a:rPr lang="en-US" dirty="0"/>
+              <a:t> </a:t>
+            </a:r>
+            <a:r>
+              <a:rPr lang="en-US" dirty="0" err="1"/>
+              <a:t>behaftet</a:t>
+            </a:r>
+            <a:endParaRPr lang="en-US" dirty="0"/>
+          </a:p>
+          <a:p>
+            <a:pPr lvl="2">
+              <a:buSzPct val="45000"/>
+              <a:buFont typeface="StarSymbol"/>
+              <a:buChar char="●"/>
+            </a:pPr>
+            <a:endParaRPr lang="en-US" dirty="0"/>
+          </a:p>
+          <a:p>
+            <a:pPr lvl="1">
+              <a:buSzPct val="45000"/>
+              <a:buFont typeface="StarSymbol"/>
+              <a:buChar char="●"/>
+            </a:pPr>
+            <a:r>
+              <a:rPr lang="en-US" dirty="0" err="1"/>
+              <a:t>Bewerbung</a:t>
+            </a:r>
+            <a:r>
+              <a:rPr lang="en-US" dirty="0"/>
+              <a:t> </a:t>
+            </a:r>
+            <a:r>
+              <a:rPr lang="en-US" dirty="0" err="1"/>
+              <a:t>neutraler</a:t>
+            </a:r>
+            <a:r>
+              <a:rPr lang="en-US" dirty="0"/>
+              <a:t> Twitter User</a:t>
+            </a:r>
+          </a:p>
+          <a:p>
+            <a:pPr lvl="2">
+              <a:buSzPct val="45000"/>
+              <a:buFont typeface="StarSymbol"/>
+              <a:buChar char="●"/>
+            </a:pPr>
+            <a:r>
+              <a:rPr lang="en-US" dirty="0" err="1"/>
+              <a:t>sehr</a:t>
+            </a:r>
+            <a:r>
+              <a:rPr lang="en-US" dirty="0"/>
+              <a:t> negative </a:t>
+            </a:r>
+            <a:r>
+              <a:rPr lang="en-US" dirty="0" err="1"/>
+              <a:t>Meinungen</a:t>
+            </a:r>
+            <a:r>
+              <a:rPr lang="en-US" dirty="0"/>
+              <a:t> -&gt; </a:t>
+            </a:r>
+            <a:r>
+              <a:rPr lang="en-US" dirty="0" err="1"/>
+              <a:t>schwer</a:t>
+            </a:r>
+            <a:r>
+              <a:rPr lang="en-US" dirty="0"/>
+              <a:t> </a:t>
+            </a:r>
+            <a:r>
+              <a:rPr lang="en-US" dirty="0" err="1"/>
+              <a:t>zu</a:t>
+            </a:r>
+            <a:r>
+              <a:rPr lang="en-US" dirty="0"/>
+              <a:t> </a:t>
+            </a:r>
+            <a:r>
+              <a:rPr lang="en-US" dirty="0" err="1"/>
+              <a:t>überzeugen</a:t>
+            </a:r>
+            <a:endParaRPr lang="en-US" dirty="0"/>
+          </a:p>
+          <a:p>
+            <a:pPr lvl="2">
+              <a:buSzPct val="45000"/>
+              <a:buFont typeface="StarSymbol"/>
+              <a:buChar char="●"/>
+            </a:pPr>
+            <a:r>
+              <a:rPr lang="en-US" dirty="0" err="1"/>
+              <a:t>sehr</a:t>
+            </a:r>
+            <a:r>
+              <a:rPr lang="en-US" dirty="0"/>
+              <a:t> positive </a:t>
+            </a:r>
+            <a:r>
+              <a:rPr lang="en-US" dirty="0" err="1"/>
+              <a:t>Meinungen</a:t>
+            </a:r>
+            <a:r>
+              <a:rPr lang="en-US" dirty="0"/>
+              <a:t> -&gt; </a:t>
+            </a:r>
+            <a:r>
+              <a:rPr lang="en-US" dirty="0" err="1"/>
+              <a:t>müssen</a:t>
+            </a:r>
+            <a:r>
+              <a:rPr lang="en-US" dirty="0"/>
+              <a:t> </a:t>
+            </a:r>
+            <a:r>
+              <a:rPr lang="en-US" dirty="0" err="1"/>
+              <a:t>nicht</a:t>
+            </a:r>
+            <a:r>
+              <a:rPr lang="en-US" dirty="0"/>
+              <a:t> extra </a:t>
+            </a:r>
+            <a:r>
+              <a:rPr lang="en-US" dirty="0" err="1"/>
+              <a:t>beworben</a:t>
+            </a:r>
+            <a:r>
+              <a:rPr lang="en-US" dirty="0"/>
+              <a:t> </a:t>
+            </a:r>
+            <a:r>
+              <a:rPr lang="en-US" dirty="0" err="1"/>
+              <a:t>werden</a:t>
+            </a:r>
+            <a:endParaRPr lang="en-US" dirty="0"/>
+          </a:p>
+          <a:p>
+            <a:pPr lvl="2">
+              <a:buSzPct val="45000"/>
+              <a:buFont typeface="StarSymbol"/>
+              <a:buChar char="●"/>
+            </a:pPr>
+            <a:endParaRPr lang="en-US" dirty="0"/>
+          </a:p>
+          <a:p>
+            <a:pPr lvl="1">
+              <a:buSzPct val="45000"/>
+              <a:buFont typeface="StarSymbol"/>
+              <a:buChar char="●"/>
+            </a:pPr>
+            <a:r>
+              <a:rPr lang="en-US" dirty="0" err="1"/>
+              <a:t>Auffälligkeiten</a:t>
+            </a:r>
+            <a:r>
+              <a:rPr lang="en-US" dirty="0"/>
+              <a:t> </a:t>
+            </a:r>
+            <a:r>
+              <a:rPr lang="en-US" dirty="0" err="1"/>
+              <a:t>beim</a:t>
+            </a:r>
+            <a:r>
+              <a:rPr lang="en-US" dirty="0"/>
+              <a:t> 9€ </a:t>
+            </a:r>
+            <a:r>
+              <a:rPr lang="en-US" dirty="0" err="1"/>
+              <a:t>Bezug</a:t>
+            </a:r>
+            <a:endParaRPr lang="en-US" dirty="0"/>
+          </a:p>
+          <a:p>
+            <a:pPr lvl="2">
+              <a:buSzPct val="45000"/>
+              <a:buFont typeface="StarSymbol"/>
+              <a:buChar char="●"/>
+            </a:pPr>
+            <a:r>
+              <a:rPr lang="en-US" dirty="0" err="1"/>
+              <a:t>starke</a:t>
+            </a:r>
+            <a:r>
+              <a:rPr lang="en-US" dirty="0"/>
+              <a:t> </a:t>
+            </a:r>
+            <a:r>
+              <a:rPr lang="en-US" dirty="0" err="1"/>
+              <a:t>Abweichung</a:t>
+            </a:r>
+            <a:r>
+              <a:rPr lang="en-US" dirty="0"/>
+              <a:t> der Tweets </a:t>
+            </a:r>
+            <a:r>
+              <a:rPr lang="en-US" dirty="0" err="1"/>
+              <a:t>beim</a:t>
+            </a:r>
+            <a:r>
+              <a:rPr lang="en-US" dirty="0"/>
+              <a:t> Mean und Median </a:t>
+            </a:r>
+          </a:p>
+          <a:p>
+            <a:pPr lvl="2">
+              <a:buSzPct val="45000"/>
+              <a:buFont typeface="StarSymbol"/>
+              <a:buChar char="●"/>
+            </a:pPr>
+            <a:r>
+              <a:rPr lang="en-US" dirty="0" err="1"/>
+              <a:t>wenige</a:t>
+            </a:r>
+            <a:r>
+              <a:rPr lang="en-US" dirty="0"/>
+              <a:t>, </a:t>
+            </a:r>
+            <a:r>
+              <a:rPr lang="en-US" dirty="0" err="1"/>
+              <a:t>aber</a:t>
+            </a:r>
+            <a:r>
+              <a:rPr lang="en-US" dirty="0"/>
+              <a:t> </a:t>
+            </a:r>
+            <a:r>
+              <a:rPr lang="en-US" dirty="0" err="1"/>
+              <a:t>sehr</a:t>
+            </a:r>
+            <a:r>
+              <a:rPr lang="en-US" dirty="0"/>
+              <a:t> negative Tweets</a:t>
+            </a:r>
+          </a:p>
+          <a:p>
+            <a:pPr lvl="2">
+              <a:buSzPct val="45000"/>
+              <a:buFont typeface="StarSymbol"/>
+              <a:buChar char="●"/>
+            </a:pPr>
+            <a:r>
+              <a:rPr lang="en-US" dirty="0"/>
+              <a:t>Thema oft </a:t>
+            </a:r>
+            <a:r>
+              <a:rPr lang="en-US" dirty="0" err="1"/>
+              <a:t>Platzmangel</a:t>
+            </a:r>
+            <a:r>
+              <a:rPr lang="en-US" dirty="0"/>
+              <a:t> für das </a:t>
+            </a:r>
+            <a:r>
+              <a:rPr lang="en-US" dirty="0" err="1"/>
+              <a:t>Fahrrad</a:t>
+            </a:r>
+            <a:r>
+              <a:rPr lang="en-US" dirty="0"/>
+              <a:t> (Zug </a:t>
+            </a:r>
+            <a:r>
+              <a:rPr lang="en-US" dirty="0" err="1"/>
+              <a:t>überfüllt</a:t>
+            </a:r>
+            <a:r>
+              <a:rPr lang="en-US" dirty="0"/>
+              <a:t> und </a:t>
+            </a:r>
+            <a:r>
+              <a:rPr lang="en-US" dirty="0" err="1"/>
+              <a:t>verspätet</a:t>
+            </a:r>
+            <a:r>
+              <a:rPr lang="en-US" dirty="0"/>
+              <a:t>)</a:t>
+            </a:r>
+          </a:p>
+          <a:p>
+            <a:pPr lvl="2">
+              <a:buSzPct val="45000"/>
+              <a:buFont typeface="StarSymbol"/>
+              <a:buChar char="●"/>
+            </a:pPr>
+            <a:endParaRPr lang="en-US" dirty="0"/>
+          </a:p>
+          <a:p>
+            <a:pPr lvl="1">
+              <a:buSzPct val="45000"/>
+              <a:buFont typeface="StarSymbol"/>
+              <a:buChar char="●"/>
+            </a:pPr>
+            <a:r>
+              <a:rPr lang="en-US" dirty="0" err="1"/>
+              <a:t>Generell</a:t>
+            </a:r>
+            <a:r>
+              <a:rPr lang="en-US" dirty="0"/>
+              <a:t> Thema der </a:t>
+            </a:r>
+            <a:r>
+              <a:rPr lang="en-US" dirty="0" err="1"/>
+              <a:t>negativen</a:t>
+            </a:r>
+            <a:r>
+              <a:rPr lang="en-US" dirty="0"/>
+              <a:t> Tweets</a:t>
+            </a:r>
+          </a:p>
+          <a:p>
+            <a:pPr lvl="2">
+              <a:buSzPct val="45000"/>
+              <a:buFont typeface="StarSymbol"/>
+              <a:buChar char="●"/>
+            </a:pPr>
+            <a:r>
+              <a:rPr lang="en-US" dirty="0" err="1"/>
+              <a:t>Überfüllte</a:t>
+            </a:r>
+            <a:r>
+              <a:rPr lang="en-US" dirty="0"/>
+              <a:t> </a:t>
+            </a:r>
+            <a:r>
+              <a:rPr lang="en-US" dirty="0" err="1"/>
+              <a:t>Züge</a:t>
+            </a:r>
+            <a:endParaRPr lang="en-US" dirty="0"/>
+          </a:p>
+          <a:p>
+            <a:pPr lvl="2">
+              <a:buSzPct val="45000"/>
+              <a:buFont typeface="StarSymbol"/>
+              <a:buChar char="●"/>
+            </a:pPr>
+            <a:r>
+              <a:rPr lang="en-US" dirty="0"/>
+              <a:t>Idee </a:t>
+            </a:r>
+            <a:r>
+              <a:rPr lang="en-US" dirty="0" err="1"/>
+              <a:t>einer</a:t>
+            </a:r>
+            <a:r>
+              <a:rPr lang="en-US" dirty="0"/>
+              <a:t> </a:t>
+            </a:r>
+            <a:r>
+              <a:rPr lang="en-US" dirty="0" err="1"/>
+              <a:t>Echtzeitanalyse</a:t>
+            </a:r>
+            <a:r>
+              <a:rPr lang="en-US" dirty="0"/>
+              <a:t> auf Social Media </a:t>
+            </a:r>
+            <a:r>
+              <a:rPr lang="en-US" dirty="0" err="1"/>
+              <a:t>Daten</a:t>
+            </a:r>
+            <a:endParaRPr lang="en-US" dirty="0"/>
+          </a:p>
+          <a:p>
+            <a:pPr marL="457200" lvl="1" indent="0">
+              <a:buSzPct val="45000"/>
+              <a:buNone/>
+            </a:pPr>
+            <a:endParaRPr lang="en-US" dirty="0"/>
+          </a:p>
+          <a:p>
+            <a:pPr lvl="2">
+              <a:buSzPct val="45000"/>
+              <a:buFont typeface="StarSymbol"/>
+              <a:buChar char="●"/>
+            </a:pPr>
+            <a:endParaRPr lang="en-US" dirty="0"/>
+          </a:p>
+          <a:p>
+            <a:pPr marL="914400" lvl="2" indent="0">
+              <a:buSzPct val="45000"/>
+              <a:buNone/>
+            </a:pPr>
+            <a:endParaRPr lang="en-US" dirty="0"/>
+          </a:p>
+        </p:txBody>
+      </p:sp>
+      <p:sp>
+        <p:nvSpPr>
+          <p:cNvPr id="5" name="Textfeld 4">
+            <a:extLst>
+              <a:ext uri="{FF2B5EF4-FFF2-40B4-BE49-F238E27FC236}">
+                <a16:creationId xmlns:a16="http://schemas.microsoft.com/office/drawing/2014/main" id="{9D7303CD-763D-2A38-08C3-DB08FCC19A37}"/>
+              </a:ext>
+            </a:extLst>
+          </p:cNvPr>
+          <p:cNvSpPr txBox="1"/>
+          <p:nvPr/>
+        </p:nvSpPr>
+        <p:spPr>
+          <a:xfrm>
+            <a:off x="9372600" y="5243040"/>
+            <a:ext cx="3832559" cy="427320"/>
+          </a:xfrm>
+          <a:prstGeom prst="rect">
+            <a:avLst/>
+          </a:prstGeom>
+          <a:noFill/>
+          <a:ln>
+            <a:noFill/>
+          </a:ln>
+        </p:spPr>
+        <p:txBody>
+          <a:bodyPr vert="horz" wrap="none" lIns="90000" tIns="45000" rIns="90000" bIns="45000" anchorCtr="0" compatLnSpc="0">
+            <a:spAutoFit/>
+          </a:bodyPr>
+          <a:lstStyle/>
+          <a:p>
+            <a:pPr marL="0" marR="0" lvl="0" indent="0" rtl="0" hangingPunct="0">
+              <a:lnSpc>
+                <a:spcPct val="100000"/>
+              </a:lnSpc>
+              <a:spcBef>
+                <a:spcPts val="0"/>
+              </a:spcBef>
+              <a:spcAft>
+                <a:spcPts val="0"/>
+              </a:spcAft>
+              <a:buNone/>
+              <a:tabLst/>
+            </a:pPr>
+            <a:fld id="{91CD7B40-FCA9-49D6-9B53-7164D24F73CB}" type="slidenum">
+              <a:t>11</a:t>
+            </a:fld>
+            <a:endParaRPr lang="en-US" sz="900" b="0" i="0" u="none" strike="noStrike" kern="1200" cap="none">
+              <a:ln>
+                <a:noFill/>
+              </a:ln>
+              <a:latin typeface="Liberation Sans" pitchFamily="18"/>
+              <a:ea typeface="Noto Sans CJK SC" pitchFamily="2"/>
+              <a:cs typeface="Noto Sans Devanagari" pitchFamily="2"/>
+            </a:endParaRPr>
+          </a:p>
+        </p:txBody>
+      </p:sp>
+    </p:spTree>
+    <p:extLst>
+      <p:ext uri="{BB962C8B-B14F-4D97-AF65-F5344CB8AC3E}">
+        <p14:creationId xmlns:p14="http://schemas.microsoft.com/office/powerpoint/2010/main" val="2901195367"/>
+      </p:ext>
+    </p:extLst>
+  </p:cSld>
+  <p:clrMapOvr>
+    <a:masterClrMapping/>
+  </p:clrMapOvr>
+</p:sld>
+</file>
+
+<file path=ppt/slides/slide12.xml><?xml version="1.0" encoding="utf-8"?>
+<p:sld xmlns:a="http://schemas.openxmlformats.org/drawingml/2006/main" xmlns:r="http://schemas.openxmlformats.org/officeDocument/2006/relationships" xmlns:p="http://schemas.openxmlformats.org/presentationml/2006/main">
+  <p:cSld>
+    <p:spTree>
+      <p:nvGrpSpPr>
+        <p:cNvPr id="1" name=""/>
+        <p:cNvGrpSpPr/>
+        <p:nvPr/>
+      </p:nvGrpSpPr>
+      <p:grpSpPr>
+        <a:xfrm>
+          <a:off x="0" y="0"/>
+          <a:ext cx="0" cy="0"/>
+          <a:chOff x="0" y="0"/>
+          <a:chExt cx="0" cy="0"/>
+        </a:xfrm>
+      </p:grpSpPr>
+      <p:pic>
+        <p:nvPicPr>
+          <p:cNvPr id="2" name="Grafik 1">
+            <a:extLst>
+              <a:ext uri="{FF2B5EF4-FFF2-40B4-BE49-F238E27FC236}">
+                <a16:creationId xmlns:a16="http://schemas.microsoft.com/office/drawing/2014/main" id="{8CBD471B-197A-9CA6-6800-C59C2AB503EB}"/>
+              </a:ext>
+            </a:extLst>
+          </p:cNvPr>
+          <p:cNvPicPr>
+            <a:picLocks noChangeAspect="1"/>
+          </p:cNvPicPr>
+          <p:nvPr/>
+        </p:nvPicPr>
+        <p:blipFill>
+          <a:blip r:embed="rId3">
+            <a:lum/>
+            <a:alphaModFix amt="10000"/>
+          </a:blip>
+          <a:srcRect/>
+          <a:stretch>
+            <a:fillRect/>
+          </a:stretch>
+        </p:blipFill>
+        <p:spPr>
+          <a:xfrm>
+            <a:off x="-20880" y="0"/>
+            <a:ext cx="10079280" cy="5669640"/>
+          </a:xfrm>
+          <a:prstGeom prst="rect">
+            <a:avLst/>
+          </a:prstGeom>
+          <a:noFill/>
+          <a:ln>
+            <a:noFill/>
+          </a:ln>
+        </p:spPr>
+      </p:pic>
+      <p:sp>
+        <p:nvSpPr>
+          <p:cNvPr id="3" name="Titel 2">
+            <a:extLst>
+              <a:ext uri="{FF2B5EF4-FFF2-40B4-BE49-F238E27FC236}">
+                <a16:creationId xmlns:a16="http://schemas.microsoft.com/office/drawing/2014/main" id="{5F129FD0-72FC-E004-53A8-F9619362310F}"/>
+              </a:ext>
+            </a:extLst>
+          </p:cNvPr>
+          <p:cNvSpPr txBox="1">
+            <a:spLocks noGrp="1"/>
+          </p:cNvSpPr>
+          <p:nvPr>
+            <p:ph type="title" idx="4294967295"/>
+          </p:nvPr>
+        </p:nvSpPr>
+        <p:spPr>
+          <a:xfrm>
+            <a:off x="504492" y="963584"/>
+            <a:ext cx="9071640" cy="946440"/>
+          </a:xfrm>
+        </p:spPr>
+        <p:txBody>
+          <a:bodyPr vert="horz"/>
+          <a:lstStyle/>
+          <a:p>
+            <a:pPr lvl="0"/>
+            <a:r>
+              <a:rPr lang="en-US" dirty="0" err="1"/>
+              <a:t>Vielen</a:t>
+            </a:r>
+            <a:r>
+              <a:rPr lang="en-US" dirty="0"/>
+              <a:t> Dank für </a:t>
+            </a:r>
+            <a:br>
+              <a:rPr lang="en-US" dirty="0"/>
+            </a:br>
+            <a:r>
+              <a:rPr lang="en-US" dirty="0"/>
+              <a:t>die </a:t>
+            </a:r>
+            <a:r>
+              <a:rPr lang="en-US" dirty="0" err="1"/>
+              <a:t>Aufmerksamkeit</a:t>
+            </a:r>
+            <a:endParaRPr lang="en-US" dirty="0"/>
+          </a:p>
+        </p:txBody>
+      </p:sp>
+      <p:sp>
+        <p:nvSpPr>
+          <p:cNvPr id="5" name="Textfeld 4">
+            <a:extLst>
+              <a:ext uri="{FF2B5EF4-FFF2-40B4-BE49-F238E27FC236}">
+                <a16:creationId xmlns:a16="http://schemas.microsoft.com/office/drawing/2014/main" id="{9D7303CD-763D-2A38-08C3-DB08FCC19A37}"/>
+              </a:ext>
+            </a:extLst>
+          </p:cNvPr>
+          <p:cNvSpPr txBox="1"/>
+          <p:nvPr/>
+        </p:nvSpPr>
+        <p:spPr>
+          <a:xfrm>
+            <a:off x="9372600" y="5243040"/>
+            <a:ext cx="3832559" cy="427320"/>
+          </a:xfrm>
+          <a:prstGeom prst="rect">
+            <a:avLst/>
+          </a:prstGeom>
+          <a:noFill/>
+          <a:ln>
+            <a:noFill/>
+          </a:ln>
+        </p:spPr>
+        <p:txBody>
+          <a:bodyPr vert="horz" wrap="none" lIns="90000" tIns="45000" rIns="90000" bIns="45000" anchorCtr="0" compatLnSpc="0">
+            <a:spAutoFit/>
+          </a:bodyPr>
+          <a:lstStyle/>
+          <a:p>
+            <a:pPr marL="0" marR="0" lvl="0" indent="0" rtl="0" hangingPunct="0">
+              <a:lnSpc>
+                <a:spcPct val="100000"/>
+              </a:lnSpc>
+              <a:spcBef>
+                <a:spcPts val="0"/>
+              </a:spcBef>
+              <a:spcAft>
+                <a:spcPts val="0"/>
+              </a:spcAft>
+              <a:buNone/>
+              <a:tabLst/>
+            </a:pPr>
+            <a:fld id="{91CD7B40-FCA9-49D6-9B53-7164D24F73CB}" type="slidenum">
+              <a:t>12</a:t>
+            </a:fld>
+            <a:endParaRPr lang="en-US" sz="900" b="0" i="0" u="none" strike="noStrike" kern="1200" cap="none">
+              <a:ln>
+                <a:noFill/>
+              </a:ln>
+              <a:latin typeface="Liberation Sans" pitchFamily="18"/>
+              <a:ea typeface="Noto Sans CJK SC" pitchFamily="2"/>
+              <a:cs typeface="Noto Sans Devanagari" pitchFamily="2"/>
+            </a:endParaRPr>
+          </a:p>
+        </p:txBody>
+      </p:sp>
+      <p:pic>
+        <p:nvPicPr>
+          <p:cNvPr id="7" name="Picture 4">
+            <a:extLst>
+              <a:ext uri="{FF2B5EF4-FFF2-40B4-BE49-F238E27FC236}">
+                <a16:creationId xmlns:a16="http://schemas.microsoft.com/office/drawing/2014/main" id="{0FA2E50E-B75F-F95E-2692-313CAAE26B45}"/>
+              </a:ext>
+            </a:extLst>
+          </p:cNvPr>
+          <p:cNvPicPr>
+            <a:picLocks noChangeAspect="1" noChangeArrowheads="1"/>
+          </p:cNvPicPr>
+          <p:nvPr/>
+        </p:nvPicPr>
+        <p:blipFill>
+          <a:blip r:embed="rId4">
+            <a:extLst>
+              <a:ext uri="{28A0092B-C50C-407E-A947-70E740481C1C}">
+                <a14:useLocalDpi xmlns:a14="http://schemas.microsoft.com/office/drawing/2010/main" val="0"/>
+              </a:ext>
+            </a:extLst>
+          </a:blip>
+          <a:srcRect/>
+          <a:stretch>
+            <a:fillRect/>
+          </a:stretch>
+        </p:blipFill>
+        <p:spPr bwMode="auto">
+          <a:xfrm>
+            <a:off x="3460040" y="2768141"/>
+            <a:ext cx="3117440" cy="1616782"/>
+          </a:xfrm>
+          <a:prstGeom prst="rect">
+            <a:avLst/>
+          </a:prstGeom>
+          <a:noFill/>
+          <a:extLst>
+            <a:ext uri="{909E8E84-426E-40DD-AFC4-6F175D3DCCD1}">
+              <a14:hiddenFill xmlns:a14="http://schemas.microsoft.com/office/drawing/2010/main">
+                <a:solidFill>
+                  <a:srgbClr val="FFFFFF"/>
+                </a:solidFill>
+              </a14:hiddenFill>
+            </a:ext>
+          </a:extLst>
+        </p:spPr>
+      </p:pic>
+    </p:spTree>
+    <p:extLst>
+      <p:ext uri="{BB962C8B-B14F-4D97-AF65-F5344CB8AC3E}">
+        <p14:creationId xmlns:p14="http://schemas.microsoft.com/office/powerpoint/2010/main" val="1685309057"/>
+      </p:ext>
+    </p:extLst>
+  </p:cSld>
+  <p:clrMapOvr>
+    <a:masterClrMapping/>
+  </p:clrMapOvr>
+</p:sld>
+</file>
+
+<file path=ppt/slides/slide13.xml><?xml version="1.0" encoding="utf-8"?>
+<p:sld xmlns:a="http://schemas.openxmlformats.org/drawingml/2006/main" xmlns:r="http://schemas.openxmlformats.org/officeDocument/2006/relationships" xmlns:p="http://schemas.openxmlformats.org/presentationml/2006/main">
+  <p:cSld>
+    <p:spTree>
+      <p:nvGrpSpPr>
+        <p:cNvPr id="1" name=""/>
+        <p:cNvGrpSpPr/>
+        <p:nvPr/>
+      </p:nvGrpSpPr>
+      <p:grpSpPr>
+        <a:xfrm>
+          <a:off x="0" y="0"/>
+          <a:ext cx="0" cy="0"/>
+          <a:chOff x="0" y="0"/>
+          <a:chExt cx="0" cy="0"/>
+        </a:xfrm>
+      </p:grpSpPr>
       <p:sp>
         <p:nvSpPr>
           <p:cNvPr id="2" name="Titel 1">
@@ -5909,7 +7398,7 @@
               <a:tabLst/>
             </a:pPr>
             <a:fld id="{FA047BC6-F10F-4F22-8E9B-AF8240D30DE7}" type="slidenum">
-              <a:t>10</a:t>
+              <a:t>13</a:t>
             </a:fld>
             <a:endParaRPr lang="en-US" sz="900" b="0" i="0" u="none" strike="noStrike" kern="1200" cap="none">
               <a:ln>
@@ -6503,7 +7992,7 @@
             </a:pPr>
             <a:r>
               <a:rPr lang="en-US" dirty="0" err="1"/>
-              <a:t>Datequelle</a:t>
+              <a:t>Datenquelle</a:t>
             </a:r>
             <a:r>
               <a:rPr lang="en-US" dirty="0"/>
@@ -6657,6 +8146,13 @@
           <a:prstGeom prst="rect">
             <a:avLst/>
           </a:prstGeom>
+          <a:effectLst>
+            <a:outerShdw blurRad="50800" dist="50800" dir="5400000" algn="ctr" rotWithShape="0">
+              <a:srgbClr val="000000">
+                <a:alpha val="80000"/>
+              </a:srgbClr>
+            </a:outerShdw>
+          </a:effectLst>
         </p:spPr>
       </p:pic>
       <p:sp>
@@ -6716,6 +8212,13 @@
           <a:prstGeom prst="rect">
             <a:avLst/>
           </a:prstGeom>
+          <a:effectLst>
+            <a:outerShdw blurRad="50800" dist="50800" dir="5400000" algn="ctr" rotWithShape="0">
+              <a:srgbClr val="000000">
+                <a:alpha val="80000"/>
+              </a:srgbClr>
+            </a:outerShdw>
+          </a:effectLst>
         </p:spPr>
       </p:pic>
     </p:spTree>
@@ -6901,22 +8404,17 @@
         </p:blipFill>
         <p:spPr bwMode="auto">
           <a:xfrm>
-            <a:off x="1270522" y="1756435"/>
+            <a:off x="1270522" y="1751284"/>
             <a:ext cx="3448251" cy="2875059"/>
           </a:xfrm>
           <a:prstGeom prst="rect">
             <a:avLst/>
           </a:prstGeom>
-          <a:noFill/>
-          <a:extLst>
-            <a:ext uri="{909E8E84-426E-40DD-AFC4-6F175D3DCCD1}">
-              <a14:hiddenFill xmlns:a14="http://schemas.microsoft.com/office/drawing/2010/main">
-                <a:solidFill>
-                  <a:srgbClr val="FFFFFF"/>
-                </a:solidFill>
-              </a14:hiddenFill>
-            </a:ext>
-          </a:extLst>
+          <a:solidFill>
+            <a:srgbClr val="DEC429">
+              <a:alpha val="60000"/>
+            </a:srgbClr>
+          </a:solidFill>
         </p:spPr>
       </p:pic>
       <p:pic>
@@ -6954,16 +8452,11 @@
           <a:prstGeom prst="rect">
             <a:avLst/>
           </a:prstGeom>
-          <a:noFill/>
-          <a:extLst>
-            <a:ext uri="{909E8E84-426E-40DD-AFC4-6F175D3DCCD1}">
-              <a14:hiddenFill xmlns:a14="http://schemas.microsoft.com/office/drawing/2010/main">
-                <a:solidFill>
-                  <a:srgbClr val="FFFFFF"/>
-                </a:solidFill>
-              </a14:hiddenFill>
-            </a:ext>
-          </a:extLst>
+          <a:solidFill>
+            <a:srgbClr val="DEC429">
+              <a:alpha val="60000"/>
+            </a:srgbClr>
+          </a:solidFill>
         </p:spPr>
       </p:pic>
       <p:sp>
@@ -7571,16 +9064,11 @@
           <a:prstGeom prst="rect">
             <a:avLst/>
           </a:prstGeom>
-          <a:noFill/>
-          <a:extLst>
-            <a:ext uri="{909E8E84-426E-40DD-AFC4-6F175D3DCCD1}">
-              <a14:hiddenFill xmlns:a14="http://schemas.microsoft.com/office/drawing/2010/main">
-                <a:solidFill>
-                  <a:srgbClr val="FFFFFF"/>
-                </a:solidFill>
-              </a14:hiddenFill>
-            </a:ext>
-          </a:extLst>
+          <a:solidFill>
+            <a:srgbClr val="DEC429">
+              <a:alpha val="60000"/>
+            </a:srgbClr>
+          </a:solidFill>
         </p:spPr>
       </p:pic>
       <p:pic>
@@ -7835,16 +9323,11 @@
           <a:prstGeom prst="rect">
             <a:avLst/>
           </a:prstGeom>
-          <a:noFill/>
-          <a:extLst>
-            <a:ext uri="{909E8E84-426E-40DD-AFC4-6F175D3DCCD1}">
-              <a14:hiddenFill xmlns:a14="http://schemas.microsoft.com/office/drawing/2010/main">
-                <a:solidFill>
-                  <a:srgbClr val="FFFFFF"/>
-                </a:solidFill>
-              </a14:hiddenFill>
-            </a:ext>
-          </a:extLst>
+          <a:solidFill>
+            <a:srgbClr val="DEC429">
+              <a:alpha val="60000"/>
+            </a:srgbClr>
+          </a:solidFill>
         </p:spPr>
       </p:pic>
     </p:spTree>
@@ -8262,27 +9745,16 @@
               <a:buFont typeface="StarSymbol"/>
               <a:buChar char="●"/>
             </a:pPr>
-            <a:r>
-              <a:rPr lang="de-DE" dirty="0"/>
-              <a:t>Welche Methode nutzen, um einen „guten Ellenbogen“ zu bekommen?</a:t>
-            </a:r>
-          </a:p>
-          <a:p>
-            <a:pPr lvl="1">
-              <a:buSzPct val="45000"/>
-              <a:buFont typeface="StarSymbol"/>
-              <a:buChar char="●"/>
-            </a:pPr>
             <a:endParaRPr lang="de-DE" dirty="0"/>
           </a:p>
         </p:txBody>
       </p:sp>
       <p:pic>
         <p:nvPicPr>
-          <p:cNvPr id="6148" name="Picture 4">
-            <a:extLst>
-              <a:ext uri="{FF2B5EF4-FFF2-40B4-BE49-F238E27FC236}">
-                <a16:creationId xmlns:a16="http://schemas.microsoft.com/office/drawing/2014/main" id="{2CB3E8ED-4A0A-BC1B-FD84-B3AB61655A4A}"/>
+          <p:cNvPr id="1026" name="Picture 2">
+            <a:extLst>
+              <a:ext uri="{FF2B5EF4-FFF2-40B4-BE49-F238E27FC236}">
+                <a16:creationId xmlns:a16="http://schemas.microsoft.com/office/drawing/2014/main" id="{09F0C201-7EFD-8B44-9217-9289AF83948C}"/>
               </a:ext>
             </a:extLst>
           </p:cNvPr>
@@ -8306,71 +9778,72 @@
         </p:blipFill>
         <p:spPr bwMode="auto">
           <a:xfrm>
-            <a:off x="1231520" y="2595090"/>
-            <a:ext cx="3676650" cy="2647950"/>
-          </a:xfrm>
-          <a:prstGeom prst="rect">
-            <a:avLst/>
-          </a:prstGeom>
-          <a:noFill/>
-          <a:extLst>
-            <a:ext uri="{909E8E84-426E-40DD-AFC4-6F175D3DCCD1}">
-              <a14:hiddenFill xmlns:a14="http://schemas.microsoft.com/office/drawing/2010/main">
-                <a:solidFill>
-                  <a:srgbClr val="FFFFFF"/>
-                </a:solidFill>
-              </a14:hiddenFill>
-            </a:ext>
-          </a:extLst>
-        </p:spPr>
-      </p:pic>
-      <p:pic>
-        <p:nvPicPr>
-          <p:cNvPr id="6150" name="Picture 6">
-            <a:extLst>
-              <a:ext uri="{FF2B5EF4-FFF2-40B4-BE49-F238E27FC236}">
-                <a16:creationId xmlns:a16="http://schemas.microsoft.com/office/drawing/2014/main" id="{933ECF56-64D6-7B2D-3EF3-F05D053D210C}"/>
-              </a:ext>
-            </a:extLst>
-          </p:cNvPr>
-          <p:cNvPicPr>
-            <a:picLocks noChangeAspect="1" noChangeArrowheads="1"/>
-          </p:cNvPicPr>
-          <p:nvPr/>
-        </p:nvPicPr>
-        <p:blipFill>
-          <a:blip r:embed="rId5">
-            <a:extLst>
-              <a:ext uri="{28A0092B-C50C-407E-A947-70E740481C1C}">
-                <a14:useLocalDpi xmlns:a14="http://schemas.microsoft.com/office/drawing/2010/main" val="0"/>
-              </a:ext>
-            </a:extLst>
-          </a:blip>
-          <a:srcRect/>
-          <a:stretch>
-            <a:fillRect/>
-          </a:stretch>
-        </p:blipFill>
-        <p:spPr bwMode="auto">
-          <a:xfrm>
-            <a:off x="5290636" y="2595090"/>
+            <a:off x="2822835" y="2280990"/>
             <a:ext cx="3819525" cy="2647950"/>
           </a:xfrm>
           <a:prstGeom prst="rect">
             <a:avLst/>
           </a:prstGeom>
-          <a:noFill/>
-          <a:extLst>
-            <a:ext uri="{909E8E84-426E-40DD-AFC4-6F175D3DCCD1}">
-              <a14:hiddenFill xmlns:a14="http://schemas.microsoft.com/office/drawing/2010/main">
-                <a:solidFill>
-                  <a:srgbClr val="FFFFFF"/>
-                </a:solidFill>
-              </a14:hiddenFill>
-            </a:ext>
-          </a:extLst>
+          <a:solidFill>
+            <a:srgbClr val="DEC429">
+              <a:alpha val="60000"/>
+            </a:srgbClr>
+          </a:solidFill>
         </p:spPr>
       </p:pic>
+      <p:sp>
+        <p:nvSpPr>
+          <p:cNvPr id="4" name="Kreis: nicht ausgefüllt 3">
+            <a:extLst>
+              <a:ext uri="{FF2B5EF4-FFF2-40B4-BE49-F238E27FC236}">
+                <a16:creationId xmlns:a16="http://schemas.microsoft.com/office/drawing/2014/main" id="{C9677520-DAC0-F305-79A5-9BF09D0233B1}"/>
+              </a:ext>
+            </a:extLst>
+          </p:cNvPr>
+          <p:cNvSpPr/>
+          <p:nvPr/>
+        </p:nvSpPr>
+        <p:spPr>
+          <a:xfrm>
+            <a:off x="4451087" y="4039432"/>
+            <a:ext cx="362737" cy="361398"/>
+          </a:xfrm>
+          <a:prstGeom prst="donut">
+            <a:avLst/>
+          </a:prstGeom>
+          <a:solidFill>
+            <a:srgbClr val="FF0000"/>
+          </a:solidFill>
+        </p:spPr>
+        <p:style>
+          <a:lnRef idx="2">
+            <a:schemeClr val="accent1">
+              <a:shade val="50000"/>
+            </a:schemeClr>
+          </a:lnRef>
+          <a:fillRef idx="1">
+            <a:schemeClr val="accent1"/>
+          </a:fillRef>
+          <a:effectRef idx="0">
+            <a:schemeClr val="accent1"/>
+          </a:effectRef>
+          <a:fontRef idx="minor">
+            <a:schemeClr val="lt1"/>
+          </a:fontRef>
+        </p:style>
+        <p:txBody>
+          <a:bodyPr rtlCol="0" anchor="ctr"/>
+          <a:lstStyle/>
+          <a:p>
+            <a:pPr algn="ctr"/>
+            <a:endParaRPr lang="de-DE">
+              <a:solidFill>
+                <a:schemeClr val="tx1"/>
+              </a:solidFill>
+            </a:endParaRPr>
+          </a:p>
+        </p:txBody>
+      </p:sp>
     </p:spTree>
     <p:extLst>
       <p:ext uri="{BB962C8B-B14F-4D97-AF65-F5344CB8AC3E}">
@@ -8381,6 +9854,84 @@
   <p:clrMapOvr>
     <a:masterClrMapping/>
   </p:clrMapOvr>
+  <p:timing>
+    <p:tnLst>
+      <p:par>
+        <p:cTn id="1" dur="indefinite" restart="never" nodeType="tmRoot">
+          <p:childTnLst>
+            <p:seq concurrent="1" nextAc="seek">
+              <p:cTn id="2" dur="indefinite" nodeType="mainSeq">
+                <p:childTnLst>
+                  <p:par>
+                    <p:cTn id="3" fill="hold">
+                      <p:stCondLst>
+                        <p:cond delay="indefinite"/>
+                      </p:stCondLst>
+                      <p:childTnLst>
+                        <p:par>
+                          <p:cTn id="4" fill="hold">
+                            <p:stCondLst>
+                              <p:cond delay="0"/>
+                            </p:stCondLst>
+                            <p:childTnLst>
+                              <p:par>
+                                <p:cTn id="5" presetID="1" presetClass="entr" presetSubtype="0" fill="hold" grpId="0" nodeType="clickEffect">
+                                  <p:stCondLst>
+                                    <p:cond delay="0"/>
+                                  </p:stCondLst>
+                                  <p:childTnLst>
+                                    <p:set>
+                                      <p:cBhvr>
+                                        <p:cTn id="6" dur="1" fill="hold">
+                                          <p:stCondLst>
+                                            <p:cond delay="0"/>
+                                          </p:stCondLst>
+                                        </p:cTn>
+                                        <p:tgtEl>
+                                          <p:spTgt spid="4"/>
+                                        </p:tgtEl>
+                                        <p:attrNameLst>
+                                          <p:attrName>style.visibility</p:attrName>
+                                        </p:attrNameLst>
+                                      </p:cBhvr>
+                                      <p:to>
+                                        <p:strVal val="visible"/>
+                                      </p:to>
+                                    </p:set>
+                                  </p:childTnLst>
+                                </p:cTn>
+                              </p:par>
+                            </p:childTnLst>
+                          </p:cTn>
+                        </p:par>
+                      </p:childTnLst>
+                    </p:cTn>
+                  </p:par>
+                </p:childTnLst>
+              </p:cTn>
+              <p:prevCondLst>
+                <p:cond evt="onPrev" delay="0">
+                  <p:tgtEl>
+                    <p:sldTgt/>
+                  </p:tgtEl>
+                </p:cond>
+              </p:prevCondLst>
+              <p:nextCondLst>
+                <p:cond evt="onNext" delay="0">
+                  <p:tgtEl>
+                    <p:sldTgt/>
+                  </p:tgtEl>
+                </p:cond>
+              </p:nextCondLst>
+            </p:seq>
+          </p:childTnLst>
+        </p:cTn>
+      </p:par>
+    </p:tnLst>
+    <p:bldLst>
+      <p:bldP spid="4" grpId="0" animBg="1"/>
+    </p:bldLst>
+  </p:timing>
 </p:sld>
 </file>
 
@@ -8468,43 +10019,8 @@
             <a:pPr lvl="0"/>
             <a:r>
               <a:rPr lang="en-US" dirty="0" err="1"/>
-              <a:t>Sentimentanalyse</a:t>
-            </a:r>
-            <a:endParaRPr lang="en-US" dirty="0"/>
-          </a:p>
-        </p:txBody>
-      </p:sp>
-      <p:sp>
-        <p:nvSpPr>
-          <p:cNvPr id="4" name="Textplatzhalter 3">
-            <a:extLst>
-              <a:ext uri="{FF2B5EF4-FFF2-40B4-BE49-F238E27FC236}">
-                <a16:creationId xmlns:a16="http://schemas.microsoft.com/office/drawing/2014/main" id="{BE7B3F62-582B-123D-2ECE-29BF697C0566}"/>
-              </a:ext>
-            </a:extLst>
-          </p:cNvPr>
-          <p:cNvSpPr txBox="1">
-            <a:spLocks noGrp="1"/>
-          </p:cNvSpPr>
-          <p:nvPr>
-            <p:ph type="body" idx="4294967295"/>
-          </p:nvPr>
-        </p:nvSpPr>
-        <p:spPr>
-          <a:xfrm>
-            <a:off x="503998" y="1326600"/>
-            <a:ext cx="9554401" cy="3288239"/>
-          </a:xfrm>
-        </p:spPr>
-        <p:txBody>
-          <a:bodyPr vert="horz"/>
-          <a:lstStyle/>
-          <a:p>
-            <a:pPr lvl="1">
-              <a:buSzPct val="45000"/>
-              <a:buFont typeface="StarSymbol"/>
-              <a:buChar char="●"/>
-            </a:pPr>
+              <a:t>Clusterergebnisse</a:t>
+            </a:r>
             <a:endParaRPr lang="en-US" dirty="0"/>
           </a:p>
         </p:txBody>
@@ -8569,10 +10085,10 @@
       </p:sp>
       <p:pic>
         <p:nvPicPr>
-          <p:cNvPr id="7" name="Picture 4">
-            <a:extLst>
-              <a:ext uri="{FF2B5EF4-FFF2-40B4-BE49-F238E27FC236}">
-                <a16:creationId xmlns:a16="http://schemas.microsoft.com/office/drawing/2014/main" id="{98158778-783C-D6D4-F6CC-64475DCEF603}"/>
+          <p:cNvPr id="2050" name="Picture 2">
+            <a:extLst>
+              <a:ext uri="{FF2B5EF4-FFF2-40B4-BE49-F238E27FC236}">
+                <a16:creationId xmlns:a16="http://schemas.microsoft.com/office/drawing/2014/main" id="{BD882EF2-B12A-F04C-0068-54F9A301FDB8}"/>
               </a:ext>
             </a:extLst>
           </p:cNvPr>
@@ -8596,22 +10112,59 @@
         </p:blipFill>
         <p:spPr bwMode="auto">
           <a:xfrm>
-            <a:off x="5716723" y="2503767"/>
-            <a:ext cx="3117440" cy="1616782"/>
+            <a:off x="966250" y="1869525"/>
+            <a:ext cx="3629025" cy="2533650"/>
           </a:xfrm>
           <a:prstGeom prst="rect">
             <a:avLst/>
           </a:prstGeom>
-          <a:noFill/>
-          <a:extLst>
-            <a:ext uri="{909E8E84-426E-40DD-AFC4-6F175D3DCCD1}">
-              <a14:hiddenFill xmlns:a14="http://schemas.microsoft.com/office/drawing/2010/main">
-                <a:solidFill>
-                  <a:srgbClr val="FFFFFF"/>
-                </a:solidFill>
-              </a14:hiddenFill>
-            </a:ext>
-          </a:extLst>
+          <a:solidFill>
+            <a:srgbClr val="DEC429">
+              <a:alpha val="60000"/>
+            </a:srgbClr>
+          </a:solidFill>
+        </p:spPr>
+      </p:pic>
+      <p:pic>
+        <p:nvPicPr>
+          <p:cNvPr id="2052" name="Picture 4">
+            <a:extLst>
+              <a:ext uri="{FF2B5EF4-FFF2-40B4-BE49-F238E27FC236}">
+                <a16:creationId xmlns:a16="http://schemas.microsoft.com/office/drawing/2014/main" id="{07D3EAC2-E0E4-DFB7-40A7-2F9E64BC54C0}"/>
+              </a:ext>
+            </a:extLst>
+          </p:cNvPr>
+          <p:cNvPicPr>
+            <a:picLocks noChangeAspect="1" noChangeArrowheads="1"/>
+          </p:cNvPicPr>
+          <p:nvPr/>
+        </p:nvPicPr>
+        <p:blipFill>
+          <a:blip r:embed="rId5">
+            <a:extLst>
+              <a:ext uri="{28A0092B-C50C-407E-A947-70E740481C1C}">
+                <a14:useLocalDpi xmlns:a14="http://schemas.microsoft.com/office/drawing/2010/main" val="0"/>
+              </a:ext>
+            </a:extLst>
+          </a:blip>
+          <a:srcRect/>
+          <a:stretch>
+            <a:fillRect/>
+          </a:stretch>
+        </p:blipFill>
+        <p:spPr bwMode="auto">
+          <a:xfrm>
+            <a:off x="5348813" y="1912388"/>
+            <a:ext cx="3524250" cy="2505075"/>
+          </a:xfrm>
+          <a:prstGeom prst="rect">
+            <a:avLst/>
+          </a:prstGeom>
+          <a:solidFill>
+            <a:srgbClr val="DEC429">
+              <a:alpha val="60000"/>
+            </a:srgbClr>
+          </a:solidFill>
         </p:spPr>
       </p:pic>
     </p:spTree>

--- a/Endpräsentation_Fahrrad&Bahn.pptx
+++ b/Endpräsentation_Fahrrad&Bahn.pptx
@@ -8718,7 +8718,15 @@
             </a:pPr>
             <a:r>
               <a:rPr lang="en-US" dirty="0"/>
-              <a:t>MIT License (</a:t>
+              <a:t>MIT </a:t>
+            </a:r>
+            <a:r>
+              <a:rPr lang="en-US" dirty="0" err="1"/>
+              <a:t>Lizenz</a:t>
+            </a:r>
+            <a:r>
+              <a:rPr lang="en-US" dirty="0"/>
+              <a:t> (</a:t>
             </a:r>
             <a:r>
               <a:rPr lang="en-US" dirty="0" err="1"/>
@@ -9031,10 +9039,10 @@
       </p:sp>
       <p:pic>
         <p:nvPicPr>
-          <p:cNvPr id="5122" name="Picture 2">
-            <a:extLst>
-              <a:ext uri="{FF2B5EF4-FFF2-40B4-BE49-F238E27FC236}">
-                <a16:creationId xmlns:a16="http://schemas.microsoft.com/office/drawing/2014/main" id="{FC9AB104-6E55-F997-A041-296CDF247CCF}"/>
+          <p:cNvPr id="1030" name="Picture 6">
+            <a:extLst>
+              <a:ext uri="{FF2B5EF4-FFF2-40B4-BE49-F238E27FC236}">
+                <a16:creationId xmlns:a16="http://schemas.microsoft.com/office/drawing/2014/main" id="{102D3BE0-3366-4973-2C1F-E07D755A1D54}"/>
               </a:ext>
             </a:extLst>
           </p:cNvPr>
@@ -9058,8 +9066,8 @@
         </p:blipFill>
         <p:spPr bwMode="auto">
           <a:xfrm>
-            <a:off x="4744250" y="1718612"/>
-            <a:ext cx="3524250" cy="2505075"/>
+            <a:off x="1228754" y="1640835"/>
+            <a:ext cx="3676650" cy="2647950"/>
           </a:xfrm>
           <a:prstGeom prst="rect">
             <a:avLst/>
@@ -9073,32 +9081,44 @@
       </p:pic>
       <p:pic>
         <p:nvPicPr>
-          <p:cNvPr id="6" name="Grafik 5">
-            <a:extLst>
-              <a:ext uri="{FF2B5EF4-FFF2-40B4-BE49-F238E27FC236}">
-                <a16:creationId xmlns:a16="http://schemas.microsoft.com/office/drawing/2014/main" id="{BA1A1071-E184-62CF-EA5F-FF2FBEBFDA3F}"/>
+          <p:cNvPr id="1032" name="Picture 8">
+            <a:extLst>
+              <a:ext uri="{FF2B5EF4-FFF2-40B4-BE49-F238E27FC236}">
+                <a16:creationId xmlns:a16="http://schemas.microsoft.com/office/drawing/2014/main" id="{CC903644-8A9E-6D6A-1448-88423F465185}"/>
               </a:ext>
             </a:extLst>
           </p:cNvPr>
           <p:cNvPicPr>
-            <a:picLocks noChangeAspect="1"/>
+            <a:picLocks noChangeAspect="1" noChangeArrowheads="1"/>
           </p:cNvPicPr>
           <p:nvPr/>
         </p:nvPicPr>
         <p:blipFill>
-          <a:blip r:embed="rId5"/>
+          <a:blip r:embed="rId5">
+            <a:extLst>
+              <a:ext uri="{28A0092B-C50C-407E-A947-70E740481C1C}">
+                <a14:useLocalDpi xmlns:a14="http://schemas.microsoft.com/office/drawing/2010/main" val="0"/>
+              </a:ext>
+            </a:extLst>
+          </a:blip>
+          <a:srcRect/>
           <a:stretch>
             <a:fillRect/>
           </a:stretch>
         </p:blipFill>
-        <p:spPr>
+        <p:spPr bwMode="auto">
           <a:xfrm>
-            <a:off x="1942522" y="1497960"/>
-            <a:ext cx="2371725" cy="2743200"/>
+            <a:off x="5167400" y="1640835"/>
+            <a:ext cx="3657600" cy="2647950"/>
           </a:xfrm>
           <a:prstGeom prst="rect">
             <a:avLst/>
           </a:prstGeom>
+          <a:solidFill>
+            <a:srgbClr val="DEC429">
+              <a:alpha val="60000"/>
+            </a:srgbClr>
+          </a:solidFill>
         </p:spPr>
       </p:pic>
     </p:spTree>
@@ -9157,7 +9177,7 @@
         </p:blipFill>
         <p:spPr>
           <a:xfrm>
-            <a:off x="-20880" y="0"/>
+            <a:off x="-1341" y="-2675"/>
             <a:ext cx="10079280" cy="5669640"/>
           </a:xfrm>
           <a:prstGeom prst="rect">
@@ -9290,10 +9310,10 @@
       </p:sp>
       <p:pic>
         <p:nvPicPr>
-          <p:cNvPr id="4098" name="Picture 2">
-            <a:extLst>
-              <a:ext uri="{FF2B5EF4-FFF2-40B4-BE49-F238E27FC236}">
-                <a16:creationId xmlns:a16="http://schemas.microsoft.com/office/drawing/2014/main" id="{8EBE69CE-F278-F806-1CF1-5321A4F4D88C}"/>
+          <p:cNvPr id="7" name="Picture 6">
+            <a:extLst>
+              <a:ext uri="{FF2B5EF4-FFF2-40B4-BE49-F238E27FC236}">
+                <a16:creationId xmlns:a16="http://schemas.microsoft.com/office/drawing/2014/main" id="{1A970C7D-AC83-77A1-D3D2-16116976B062}"/>
               </a:ext>
             </a:extLst>
           </p:cNvPr>
@@ -9317,8 +9337,92 @@
         </p:blipFill>
         <p:spPr bwMode="auto">
           <a:xfrm>
-            <a:off x="1459080" y="1612260"/>
-            <a:ext cx="6781800" cy="2667000"/>
+            <a:off x="103953" y="1811430"/>
+            <a:ext cx="3245421" cy="2337376"/>
+          </a:xfrm>
+          <a:prstGeom prst="rect">
+            <a:avLst/>
+          </a:prstGeom>
+          <a:solidFill>
+            <a:srgbClr val="DEC429">
+              <a:alpha val="60000"/>
+            </a:srgbClr>
+          </a:solidFill>
+        </p:spPr>
+      </p:pic>
+      <p:pic>
+        <p:nvPicPr>
+          <p:cNvPr id="2054" name="Picture 6">
+            <a:extLst>
+              <a:ext uri="{FF2B5EF4-FFF2-40B4-BE49-F238E27FC236}">
+                <a16:creationId xmlns:a16="http://schemas.microsoft.com/office/drawing/2014/main" id="{DFF493AD-AC12-E3EB-A916-C744D2CED148}"/>
+              </a:ext>
+            </a:extLst>
+          </p:cNvPr>
+          <p:cNvPicPr>
+            <a:picLocks noChangeAspect="1" noChangeArrowheads="1"/>
+          </p:cNvPicPr>
+          <p:nvPr/>
+        </p:nvPicPr>
+        <p:blipFill>
+          <a:blip r:embed="rId5">
+            <a:extLst>
+              <a:ext uri="{28A0092B-C50C-407E-A947-70E740481C1C}">
+                <a14:useLocalDpi xmlns:a14="http://schemas.microsoft.com/office/drawing/2010/main" val="0"/>
+              </a:ext>
+            </a:extLst>
+          </a:blip>
+          <a:srcRect/>
+          <a:stretch>
+            <a:fillRect/>
+          </a:stretch>
+        </p:blipFill>
+        <p:spPr bwMode="auto">
+          <a:xfrm>
+            <a:off x="6727224" y="1811430"/>
+            <a:ext cx="3245421" cy="2337376"/>
+          </a:xfrm>
+          <a:prstGeom prst="rect">
+            <a:avLst/>
+          </a:prstGeom>
+          <a:solidFill>
+            <a:srgbClr val="DEC429">
+              <a:alpha val="60000"/>
+            </a:srgbClr>
+          </a:solidFill>
+        </p:spPr>
+      </p:pic>
+      <p:pic>
+        <p:nvPicPr>
+          <p:cNvPr id="2056" name="Picture 8">
+            <a:extLst>
+              <a:ext uri="{FF2B5EF4-FFF2-40B4-BE49-F238E27FC236}">
+                <a16:creationId xmlns:a16="http://schemas.microsoft.com/office/drawing/2014/main" id="{8F3ADE3F-2E45-C757-CD0E-97E66AFB7488}"/>
+              </a:ext>
+            </a:extLst>
+          </p:cNvPr>
+          <p:cNvPicPr>
+            <a:picLocks noChangeAspect="1" noChangeArrowheads="1"/>
+          </p:cNvPicPr>
+          <p:nvPr/>
+        </p:nvPicPr>
+        <p:blipFill>
+          <a:blip r:embed="rId6">
+            <a:extLst>
+              <a:ext uri="{28A0092B-C50C-407E-A947-70E740481C1C}">
+                <a14:useLocalDpi xmlns:a14="http://schemas.microsoft.com/office/drawing/2010/main" val="0"/>
+              </a:ext>
+            </a:extLst>
+          </a:blip>
+          <a:srcRect/>
+          <a:stretch>
+            <a:fillRect/>
+          </a:stretch>
+        </p:blipFill>
+        <p:spPr bwMode="auto">
+          <a:xfrm>
+            <a:off x="3417601" y="1811430"/>
+            <a:ext cx="3245421" cy="2337376"/>
           </a:xfrm>
           <a:prstGeom prst="rect">
             <a:avLst/>
@@ -10085,10 +10189,10 @@
       </p:sp>
       <p:pic>
         <p:nvPicPr>
-          <p:cNvPr id="2050" name="Picture 2">
-            <a:extLst>
-              <a:ext uri="{FF2B5EF4-FFF2-40B4-BE49-F238E27FC236}">
-                <a16:creationId xmlns:a16="http://schemas.microsoft.com/office/drawing/2014/main" id="{BD882EF2-B12A-F04C-0068-54F9A301FDB8}"/>
+          <p:cNvPr id="3074" name="Picture 2">
+            <a:extLst>
+              <a:ext uri="{FF2B5EF4-FFF2-40B4-BE49-F238E27FC236}">
+                <a16:creationId xmlns:a16="http://schemas.microsoft.com/office/drawing/2014/main" id="{F9C33BD1-D0CD-86E7-3853-8667C56E1D39}"/>
               </a:ext>
             </a:extLst>
           </p:cNvPr>
@@ -10112,8 +10216,8 @@
         </p:blipFill>
         <p:spPr bwMode="auto">
           <a:xfrm>
-            <a:off x="966250" y="1869525"/>
-            <a:ext cx="3629025" cy="2533650"/>
+            <a:off x="934927" y="1492920"/>
+            <a:ext cx="3762375" cy="2657475"/>
           </a:xfrm>
           <a:prstGeom prst="rect">
             <a:avLst/>
@@ -10127,10 +10231,10 @@
       </p:pic>
       <p:pic>
         <p:nvPicPr>
-          <p:cNvPr id="2052" name="Picture 4">
-            <a:extLst>
-              <a:ext uri="{FF2B5EF4-FFF2-40B4-BE49-F238E27FC236}">
-                <a16:creationId xmlns:a16="http://schemas.microsoft.com/office/drawing/2014/main" id="{07D3EAC2-E0E4-DFB7-40A7-2F9E64BC54C0}"/>
+          <p:cNvPr id="3076" name="Picture 4">
+            <a:extLst>
+              <a:ext uri="{FF2B5EF4-FFF2-40B4-BE49-F238E27FC236}">
+                <a16:creationId xmlns:a16="http://schemas.microsoft.com/office/drawing/2014/main" id="{4BC6DDF0-F010-DBC8-7D21-3BEBD8A57275}"/>
               </a:ext>
             </a:extLst>
           </p:cNvPr>
@@ -10154,8 +10258,8 @@
         </p:blipFill>
         <p:spPr bwMode="auto">
           <a:xfrm>
-            <a:off x="5348813" y="1912388"/>
-            <a:ext cx="3524250" cy="2505075"/>
+            <a:off x="4905405" y="1291064"/>
+            <a:ext cx="4126938" cy="4106246"/>
           </a:xfrm>
           <a:prstGeom prst="rect">
             <a:avLst/>

--- a/Endpräsentation_Fahrrad&Bahn.pptx
+++ b/Endpräsentation_Fahrrad&Bahn.pptx
@@ -9066,7 +9066,7 @@
         </p:blipFill>
         <p:spPr bwMode="auto">
           <a:xfrm>
-            <a:off x="1228754" y="1640835"/>
+            <a:off x="5164623" y="1698075"/>
             <a:ext cx="3676650" cy="2647950"/>
           </a:xfrm>
           <a:prstGeom prst="rect">
@@ -9108,7 +9108,7 @@
         </p:blipFill>
         <p:spPr bwMode="auto">
           <a:xfrm>
-            <a:off x="5167400" y="1640835"/>
+            <a:off x="1258403" y="1698075"/>
             <a:ext cx="3657600" cy="2647950"/>
           </a:xfrm>
           <a:prstGeom prst="rect">
